--- a/마케팅 예측.pptx
+++ b/마케팅 예측.pptx
@@ -4,6 +4,9 @@
   <p:sldMasterIdLst>
     <p:sldMasterId id="2147483648" r:id="rId1"/>
   </p:sldMasterIdLst>
+  <p:notesMasterIdLst>
+    <p:notesMasterId r:id="rId14"/>
+  </p:notesMasterIdLst>
   <p:sldIdLst>
     <p:sldId id="256" r:id="rId2"/>
     <p:sldId id="257" r:id="rId3"/>
@@ -42,6 +45,2513 @@
     </p:ext>
   </p:extLst>
 </p:presentation>
+</file>
+
+<file path=ppt/revisionInfo.xml><?xml version="1.0" encoding="utf-8"?>
+<p1510:revInfo xmlns:a="http://schemas.openxmlformats.org/drawingml/2006/main" xmlns:r="http://schemas.openxmlformats.org/officeDocument/2006/relationships" xmlns:p1510="http://schemas.microsoft.com/office/powerpoint/2015/10/main">
+  <p1510:revLst>
+    <p1510:client id="{7AE1F151-5A92-4B1D-8B3C-09F9A4654AA8}" v="5" dt="2026-02-11T00:40:42.218"/>
+  </p1510:revLst>
+</p1510:revInfo>
+</file>
+
+<file path=ppt/changesInfos/changesInfo1.xml><?xml version="1.0" encoding="utf-8"?>
+<pc:chgInfo xmlns:a="http://schemas.openxmlformats.org/drawingml/2006/main" xmlns:r="http://schemas.openxmlformats.org/officeDocument/2006/relationships" xmlns:ac="http://schemas.microsoft.com/office/drawing/2013/main/command" xmlns:pc="http://schemas.microsoft.com/office/powerpoint/2013/main/command">
+  <pc:docChgLst>
+    <pc:chgData name="진수 김" userId="32db51977ddf5ef1" providerId="LiveId" clId="{F8761C97-AFB2-4EE8-9AFD-1CEE9740B5E3}"/>
+    <pc:docChg chg="modSld">
+      <pc:chgData name="진수 김" userId="32db51977ddf5ef1" providerId="LiveId" clId="{F8761C97-AFB2-4EE8-9AFD-1CEE9740B5E3}" dt="2026-02-11T00:42:05.333" v="192" actId="20577"/>
+      <pc:docMkLst>
+        <pc:docMk/>
+      </pc:docMkLst>
+      <pc:sldChg chg="modNotesTx">
+        <pc:chgData name="진수 김" userId="32db51977ddf5ef1" providerId="LiveId" clId="{F8761C97-AFB2-4EE8-9AFD-1CEE9740B5E3}" dt="2026-02-11T00:42:05.333" v="192" actId="20577"/>
+        <pc:sldMkLst>
+          <pc:docMk/>
+          <pc:sldMk cId="0" sldId="264"/>
+        </pc:sldMkLst>
+      </pc:sldChg>
+      <pc:sldChg chg="modNotesTx">
+        <pc:chgData name="진수 김" userId="32db51977ddf5ef1" providerId="LiveId" clId="{F8761C97-AFB2-4EE8-9AFD-1CEE9740B5E3}" dt="2026-02-11T00:40:17.087" v="190" actId="20577"/>
+        <pc:sldMkLst>
+          <pc:docMk/>
+          <pc:sldMk cId="0" sldId="265"/>
+        </pc:sldMkLst>
+      </pc:sldChg>
+    </pc:docChg>
+  </pc:docChgLst>
+</pc:chgInfo>
+</file>
+
+<file path=ppt/notesMasters/notesMaster1.xml><?xml version="1.0" encoding="utf-8"?>
+<p:notesMaster xmlns:a="http://schemas.openxmlformats.org/drawingml/2006/main" xmlns:r="http://schemas.openxmlformats.org/officeDocument/2006/relationships" xmlns:p="http://schemas.openxmlformats.org/presentationml/2006/main">
+  <p:cSld>
+    <p:bg>
+      <p:bgRef idx="1001">
+        <a:schemeClr val="bg1"/>
+      </p:bgRef>
+    </p:bg>
+    <p:spTree>
+      <p:nvGrpSpPr>
+        <p:cNvPr id="1" name=""/>
+        <p:cNvGrpSpPr/>
+        <p:nvPr/>
+      </p:nvGrpSpPr>
+      <p:grpSpPr>
+        <a:xfrm>
+          <a:off x="0" y="0"/>
+          <a:ext cx="0" cy="0"/>
+          <a:chOff x="0" y="0"/>
+          <a:chExt cx="0" cy="0"/>
+        </a:xfrm>
+      </p:grpSpPr>
+      <p:sp>
+        <p:nvSpPr>
+          <p:cNvPr id="2" name="머리글 개체 틀 1"/>
+          <p:cNvSpPr>
+            <a:spLocks noGrp="1"/>
+          </p:cNvSpPr>
+          <p:nvPr>
+            <p:ph type="hdr" sz="quarter"/>
+          </p:nvPr>
+        </p:nvSpPr>
+        <p:spPr>
+          <a:xfrm>
+            <a:off x="0" y="0"/>
+            <a:ext cx="8712200" cy="566738"/>
+          </a:xfrm>
+          <a:prstGeom prst="rect">
+            <a:avLst/>
+          </a:prstGeom>
+        </p:spPr>
+        <p:txBody>
+          <a:bodyPr vert="horz" lIns="91440" tIns="45720" rIns="91440" bIns="45720" rtlCol="0"/>
+          <a:lstStyle>
+            <a:lvl1pPr algn="l">
+              <a:defRPr sz="1200"/>
+            </a:lvl1pPr>
+          </a:lstStyle>
+          <a:p>
+            <a:endParaRPr lang="ko-KR" altLang="en-US"/>
+          </a:p>
+        </p:txBody>
+      </p:sp>
+      <p:sp>
+        <p:nvSpPr>
+          <p:cNvPr id="3" name="날짜 개체 틀 2"/>
+          <p:cNvSpPr>
+            <a:spLocks noGrp="1"/>
+          </p:cNvSpPr>
+          <p:nvPr>
+            <p:ph type="dt" idx="1"/>
+          </p:nvPr>
+        </p:nvSpPr>
+        <p:spPr>
+          <a:xfrm>
+            <a:off x="11387138" y="0"/>
+            <a:ext cx="8712200" cy="566738"/>
+          </a:xfrm>
+          <a:prstGeom prst="rect">
+            <a:avLst/>
+          </a:prstGeom>
+        </p:spPr>
+        <p:txBody>
+          <a:bodyPr vert="horz" lIns="91440" tIns="45720" rIns="91440" bIns="45720" rtlCol="0"/>
+          <a:lstStyle>
+            <a:lvl1pPr algn="r">
+              <a:defRPr sz="1200"/>
+            </a:lvl1pPr>
+          </a:lstStyle>
+          <a:p>
+            <a:fld id="{E00DAD91-3998-4484-8475-76B77E40276B}" type="datetimeFigureOut">
+              <a:rPr lang="ko-KR" altLang="en-US" smtClean="0"/>
+              <a:t>2026-02-11</a:t>
+            </a:fld>
+            <a:endParaRPr lang="ko-KR" altLang="en-US"/>
+          </a:p>
+        </p:txBody>
+      </p:sp>
+      <p:sp>
+        <p:nvSpPr>
+          <p:cNvPr id="4" name="슬라이드 이미지 개체 틀 3"/>
+          <p:cNvSpPr>
+            <a:spLocks noGrp="1" noRot="1" noChangeAspect="1"/>
+          </p:cNvSpPr>
+          <p:nvPr>
+            <p:ph type="sldImg" idx="2"/>
+          </p:nvPr>
+        </p:nvSpPr>
+        <p:spPr>
+          <a:xfrm>
+            <a:off x="6659563" y="1414463"/>
+            <a:ext cx="6784975" cy="3816350"/>
+          </a:xfrm>
+          <a:prstGeom prst="rect">
+            <a:avLst/>
+          </a:prstGeom>
+          <a:noFill/>
+          <a:ln w="12700">
+            <a:solidFill>
+              <a:prstClr val="black"/>
+            </a:solidFill>
+          </a:ln>
+        </p:spPr>
+        <p:txBody>
+          <a:bodyPr vert="horz" lIns="91440" tIns="45720" rIns="91440" bIns="45720" rtlCol="0" anchor="ctr"/>
+          <a:lstStyle/>
+          <a:p>
+            <a:endParaRPr lang="ko-KR" altLang="en-US"/>
+          </a:p>
+        </p:txBody>
+      </p:sp>
+      <p:sp>
+        <p:nvSpPr>
+          <p:cNvPr id="5" name="슬라이드 노트 개체 틀 4"/>
+          <p:cNvSpPr>
+            <a:spLocks noGrp="1"/>
+          </p:cNvSpPr>
+          <p:nvPr>
+            <p:ph type="body" sz="quarter" idx="3"/>
+          </p:nvPr>
+        </p:nvSpPr>
+        <p:spPr>
+          <a:xfrm>
+            <a:off x="2009775" y="5441950"/>
+            <a:ext cx="16084550" cy="4454525"/>
+          </a:xfrm>
+          <a:prstGeom prst="rect">
+            <a:avLst/>
+          </a:prstGeom>
+        </p:spPr>
+        <p:txBody>
+          <a:bodyPr vert="horz" lIns="91440" tIns="45720" rIns="91440" bIns="45720" rtlCol="0"/>
+          <a:lstStyle/>
+          <a:p>
+            <a:pPr lvl="0"/>
+            <a:r>
+              <a:rPr lang="ko-KR" altLang="en-US"/>
+              <a:t>마스터 텍스트 스타일을 편집하려면 클릭</a:t>
+            </a:r>
+          </a:p>
+          <a:p>
+            <a:pPr lvl="1"/>
+            <a:r>
+              <a:rPr lang="ko-KR" altLang="en-US"/>
+              <a:t>두 번째 수준</a:t>
+            </a:r>
+          </a:p>
+          <a:p>
+            <a:pPr lvl="2"/>
+            <a:r>
+              <a:rPr lang="ko-KR" altLang="en-US"/>
+              <a:t>세 번째 수준</a:t>
+            </a:r>
+          </a:p>
+          <a:p>
+            <a:pPr lvl="3"/>
+            <a:r>
+              <a:rPr lang="ko-KR" altLang="en-US"/>
+              <a:t>네 번째 수준</a:t>
+            </a:r>
+          </a:p>
+          <a:p>
+            <a:pPr lvl="4"/>
+            <a:r>
+              <a:rPr lang="ko-KR" altLang="en-US"/>
+              <a:t>다섯 번째 수준</a:t>
+            </a:r>
+          </a:p>
+        </p:txBody>
+      </p:sp>
+      <p:sp>
+        <p:nvSpPr>
+          <p:cNvPr id="6" name="바닥글 개체 틀 5"/>
+          <p:cNvSpPr>
+            <a:spLocks noGrp="1"/>
+          </p:cNvSpPr>
+          <p:nvPr>
+            <p:ph type="ftr" sz="quarter" idx="4"/>
+          </p:nvPr>
+        </p:nvSpPr>
+        <p:spPr>
+          <a:xfrm>
+            <a:off x="0" y="10742613"/>
+            <a:ext cx="8712200" cy="566737"/>
+          </a:xfrm>
+          <a:prstGeom prst="rect">
+            <a:avLst/>
+          </a:prstGeom>
+        </p:spPr>
+        <p:txBody>
+          <a:bodyPr vert="horz" lIns="91440" tIns="45720" rIns="91440" bIns="45720" rtlCol="0" anchor="b"/>
+          <a:lstStyle>
+            <a:lvl1pPr algn="l">
+              <a:defRPr sz="1200"/>
+            </a:lvl1pPr>
+          </a:lstStyle>
+          <a:p>
+            <a:endParaRPr lang="ko-KR" altLang="en-US"/>
+          </a:p>
+        </p:txBody>
+      </p:sp>
+      <p:sp>
+        <p:nvSpPr>
+          <p:cNvPr id="7" name="슬라이드 번호 개체 틀 6"/>
+          <p:cNvSpPr>
+            <a:spLocks noGrp="1"/>
+          </p:cNvSpPr>
+          <p:nvPr>
+            <p:ph type="sldNum" sz="quarter" idx="5"/>
+          </p:nvPr>
+        </p:nvSpPr>
+        <p:spPr>
+          <a:xfrm>
+            <a:off x="11387138" y="10742613"/>
+            <a:ext cx="8712200" cy="566737"/>
+          </a:xfrm>
+          <a:prstGeom prst="rect">
+            <a:avLst/>
+          </a:prstGeom>
+        </p:spPr>
+        <p:txBody>
+          <a:bodyPr vert="horz" lIns="91440" tIns="45720" rIns="91440" bIns="45720" rtlCol="0" anchor="b"/>
+          <a:lstStyle>
+            <a:lvl1pPr algn="r">
+              <a:defRPr sz="1200"/>
+            </a:lvl1pPr>
+          </a:lstStyle>
+          <a:p>
+            <a:fld id="{AAD9B243-0512-4BC5-85B5-75893B2C79C7}" type="slidenum">
+              <a:rPr lang="ko-KR" altLang="en-US" smtClean="0"/>
+              <a:t>‹#›</a:t>
+            </a:fld>
+            <a:endParaRPr lang="ko-KR" altLang="en-US"/>
+          </a:p>
+        </p:txBody>
+      </p:sp>
+    </p:spTree>
+    <p:extLst>
+      <p:ext uri="{BB962C8B-B14F-4D97-AF65-F5344CB8AC3E}">
+        <p14:creationId xmlns:p14="http://schemas.microsoft.com/office/powerpoint/2010/main" val="3720349307"/>
+      </p:ext>
+    </p:extLst>
+  </p:cSld>
+  <p:clrMap bg1="lt1" tx1="dk1" bg2="lt2" tx2="dk2" accent1="accent1" accent2="accent2" accent3="accent3" accent4="accent4" accent5="accent5" accent6="accent6" hlink="hlink" folHlink="folHlink"/>
+  <p:notesStyle>
+    <a:lvl1pPr marL="0" algn="l" defTabSz="914400" rtl="0" eaLnBrk="1" latinLnBrk="1" hangingPunct="1">
+      <a:defRPr sz="1200" kern="1200">
+        <a:solidFill>
+          <a:schemeClr val="tx1"/>
+        </a:solidFill>
+        <a:latin typeface="+mn-lt"/>
+        <a:ea typeface="+mn-ea"/>
+        <a:cs typeface="+mn-cs"/>
+      </a:defRPr>
+    </a:lvl1pPr>
+    <a:lvl2pPr marL="457200" algn="l" defTabSz="914400" rtl="0" eaLnBrk="1" latinLnBrk="1" hangingPunct="1">
+      <a:defRPr sz="1200" kern="1200">
+        <a:solidFill>
+          <a:schemeClr val="tx1"/>
+        </a:solidFill>
+        <a:latin typeface="+mn-lt"/>
+        <a:ea typeface="+mn-ea"/>
+        <a:cs typeface="+mn-cs"/>
+      </a:defRPr>
+    </a:lvl2pPr>
+    <a:lvl3pPr marL="914400" algn="l" defTabSz="914400" rtl="0" eaLnBrk="1" latinLnBrk="1" hangingPunct="1">
+      <a:defRPr sz="1200" kern="1200">
+        <a:solidFill>
+          <a:schemeClr val="tx1"/>
+        </a:solidFill>
+        <a:latin typeface="+mn-lt"/>
+        <a:ea typeface="+mn-ea"/>
+        <a:cs typeface="+mn-cs"/>
+      </a:defRPr>
+    </a:lvl3pPr>
+    <a:lvl4pPr marL="1371600" algn="l" defTabSz="914400" rtl="0" eaLnBrk="1" latinLnBrk="1" hangingPunct="1">
+      <a:defRPr sz="1200" kern="1200">
+        <a:solidFill>
+          <a:schemeClr val="tx1"/>
+        </a:solidFill>
+        <a:latin typeface="+mn-lt"/>
+        <a:ea typeface="+mn-ea"/>
+        <a:cs typeface="+mn-cs"/>
+      </a:defRPr>
+    </a:lvl4pPr>
+    <a:lvl5pPr marL="1828800" algn="l" defTabSz="914400" rtl="0" eaLnBrk="1" latinLnBrk="1" hangingPunct="1">
+      <a:defRPr sz="1200" kern="1200">
+        <a:solidFill>
+          <a:schemeClr val="tx1"/>
+        </a:solidFill>
+        <a:latin typeface="+mn-lt"/>
+        <a:ea typeface="+mn-ea"/>
+        <a:cs typeface="+mn-cs"/>
+      </a:defRPr>
+    </a:lvl5pPr>
+    <a:lvl6pPr marL="2286000" algn="l" defTabSz="914400" rtl="0" eaLnBrk="1" latinLnBrk="1" hangingPunct="1">
+      <a:defRPr sz="1200" kern="1200">
+        <a:solidFill>
+          <a:schemeClr val="tx1"/>
+        </a:solidFill>
+        <a:latin typeface="+mn-lt"/>
+        <a:ea typeface="+mn-ea"/>
+        <a:cs typeface="+mn-cs"/>
+      </a:defRPr>
+    </a:lvl6pPr>
+    <a:lvl7pPr marL="2743200" algn="l" defTabSz="914400" rtl="0" eaLnBrk="1" latinLnBrk="1" hangingPunct="1">
+      <a:defRPr sz="1200" kern="1200">
+        <a:solidFill>
+          <a:schemeClr val="tx1"/>
+        </a:solidFill>
+        <a:latin typeface="+mn-lt"/>
+        <a:ea typeface="+mn-ea"/>
+        <a:cs typeface="+mn-cs"/>
+      </a:defRPr>
+    </a:lvl7pPr>
+    <a:lvl8pPr marL="3200400" algn="l" defTabSz="914400" rtl="0" eaLnBrk="1" latinLnBrk="1" hangingPunct="1">
+      <a:defRPr sz="1200" kern="1200">
+        <a:solidFill>
+          <a:schemeClr val="tx1"/>
+        </a:solidFill>
+        <a:latin typeface="+mn-lt"/>
+        <a:ea typeface="+mn-ea"/>
+        <a:cs typeface="+mn-cs"/>
+      </a:defRPr>
+    </a:lvl8pPr>
+    <a:lvl9pPr marL="3657600" algn="l" defTabSz="914400" rtl="0" eaLnBrk="1" latinLnBrk="1" hangingPunct="1">
+      <a:defRPr sz="1200" kern="1200">
+        <a:solidFill>
+          <a:schemeClr val="tx1"/>
+        </a:solidFill>
+        <a:latin typeface="+mn-lt"/>
+        <a:ea typeface="+mn-ea"/>
+        <a:cs typeface="+mn-cs"/>
+      </a:defRPr>
+    </a:lvl9pPr>
+  </p:notesStyle>
+</p:notesMaster>
+</file>
+
+<file path=ppt/notesSlides/notesSlide1.xml><?xml version="1.0" encoding="utf-8"?>
+<p:notes xmlns:a="http://schemas.openxmlformats.org/drawingml/2006/main" xmlns:r="http://schemas.openxmlformats.org/officeDocument/2006/relationships" xmlns:p="http://schemas.openxmlformats.org/presentationml/2006/main">
+  <p:cSld>
+    <p:spTree>
+      <p:nvGrpSpPr>
+        <p:cNvPr id="1" name=""/>
+        <p:cNvGrpSpPr/>
+        <p:nvPr/>
+      </p:nvGrpSpPr>
+      <p:grpSpPr>
+        <a:xfrm>
+          <a:off x="0" y="0"/>
+          <a:ext cx="0" cy="0"/>
+          <a:chOff x="0" y="0"/>
+          <a:chExt cx="0" cy="0"/>
+        </a:xfrm>
+      </p:grpSpPr>
+      <p:sp>
+        <p:nvSpPr>
+          <p:cNvPr id="2" name="슬라이드 이미지 개체 틀 1"/>
+          <p:cNvSpPr>
+            <a:spLocks noGrp="1" noRot="1" noChangeAspect="1"/>
+          </p:cNvSpPr>
+          <p:nvPr>
+            <p:ph type="sldImg"/>
+          </p:nvPr>
+        </p:nvSpPr>
+        <p:spPr/>
+      </p:sp>
+      <p:sp>
+        <p:nvSpPr>
+          <p:cNvPr id="3" name="슬라이드 노트 개체 틀 2"/>
+          <p:cNvSpPr>
+            <a:spLocks noGrp="1"/>
+          </p:cNvSpPr>
+          <p:nvPr>
+            <p:ph type="body" idx="1"/>
+          </p:nvPr>
+        </p:nvSpPr>
+        <p:spPr/>
+        <p:txBody>
+          <a:bodyPr/>
+          <a:lstStyle/>
+          <a:p>
+            <a:r>
+              <a:rPr lang="en-US" altLang="ko-KR" dirty="0"/>
+              <a:t>"Hello, fellow KDT students. I’m </a:t>
+            </a:r>
+            <a:r>
+              <a:rPr lang="en-US" altLang="ko-KR" dirty="0" err="1"/>
+              <a:t>Byeongchae</a:t>
+            </a:r>
+            <a:r>
+              <a:rPr lang="en-US" altLang="ko-KR" dirty="0"/>
+              <a:t> Jeong, the first presenter for Group 4. </a:t>
+            </a:r>
+          </a:p>
+          <a:p>
+            <a:endParaRPr lang="en-US" altLang="ko-KR" dirty="0"/>
+          </a:p>
+          <a:p>
+            <a:r>
+              <a:rPr lang="en-US" altLang="ko-KR" dirty="0"/>
+              <a:t> Our team conducted this machine learning data analysis project on the theme of telemarketing success rates.</a:t>
+            </a:r>
+          </a:p>
+          <a:p>
+            <a:endParaRPr lang="en-US" altLang="ko-KR" dirty="0"/>
+          </a:p>
+          <a:p>
+            <a:r>
+              <a:rPr lang="en-US" altLang="ko-KR" dirty="0"/>
+              <a:t> The goal of this project is to use machine learning to predict the outcome of a bank's telemarketing efforts."</a:t>
+            </a:r>
+            <a:endParaRPr lang="ko-KR" altLang="en-US" dirty="0"/>
+          </a:p>
+        </p:txBody>
+      </p:sp>
+      <p:sp>
+        <p:nvSpPr>
+          <p:cNvPr id="4" name="슬라이드 번호 개체 틀 3"/>
+          <p:cNvSpPr>
+            <a:spLocks noGrp="1"/>
+          </p:cNvSpPr>
+          <p:nvPr>
+            <p:ph type="sldNum" sz="quarter" idx="5"/>
+          </p:nvPr>
+        </p:nvSpPr>
+        <p:spPr/>
+        <p:txBody>
+          <a:bodyPr/>
+          <a:lstStyle/>
+          <a:p>
+            <a:fld id="{AAD9B243-0512-4BC5-85B5-75893B2C79C7}" type="slidenum">
+              <a:rPr lang="ko-KR" altLang="en-US" smtClean="0"/>
+              <a:t>1</a:t>
+            </a:fld>
+            <a:endParaRPr lang="ko-KR" altLang="en-US"/>
+          </a:p>
+        </p:txBody>
+      </p:sp>
+    </p:spTree>
+    <p:extLst>
+      <p:ext uri="{BB962C8B-B14F-4D97-AF65-F5344CB8AC3E}">
+        <p14:creationId xmlns:p14="http://schemas.microsoft.com/office/powerpoint/2010/main" val="2185344471"/>
+      </p:ext>
+    </p:extLst>
+  </p:cSld>
+  <p:clrMapOvr>
+    <a:masterClrMapping/>
+  </p:clrMapOvr>
+</p:notes>
+</file>
+
+<file path=ppt/notesSlides/notesSlide10.xml><?xml version="1.0" encoding="utf-8"?>
+<p:notes xmlns:a="http://schemas.openxmlformats.org/drawingml/2006/main" xmlns:r="http://schemas.openxmlformats.org/officeDocument/2006/relationships" xmlns:p="http://schemas.openxmlformats.org/presentationml/2006/main">
+  <p:cSld>
+    <p:spTree>
+      <p:nvGrpSpPr>
+        <p:cNvPr id="1" name=""/>
+        <p:cNvGrpSpPr/>
+        <p:nvPr/>
+      </p:nvGrpSpPr>
+      <p:grpSpPr>
+        <a:xfrm>
+          <a:off x="0" y="0"/>
+          <a:ext cx="0" cy="0"/>
+          <a:chOff x="0" y="0"/>
+          <a:chExt cx="0" cy="0"/>
+        </a:xfrm>
+      </p:grpSpPr>
+      <p:sp>
+        <p:nvSpPr>
+          <p:cNvPr id="2" name="슬라이드 이미지 개체 틀 1"/>
+          <p:cNvSpPr>
+            <a:spLocks noGrp="1" noRot="1" noChangeAspect="1"/>
+          </p:cNvSpPr>
+          <p:nvPr>
+            <p:ph type="sldImg"/>
+          </p:nvPr>
+        </p:nvSpPr>
+        <p:spPr/>
+      </p:sp>
+      <p:sp>
+        <p:nvSpPr>
+          <p:cNvPr id="3" name="슬라이드 노트 개체 틀 2"/>
+          <p:cNvSpPr>
+            <a:spLocks noGrp="1"/>
+          </p:cNvSpPr>
+          <p:nvPr>
+            <p:ph type="body" idx="1"/>
+          </p:nvPr>
+        </p:nvSpPr>
+        <p:spPr/>
+        <p:txBody>
+          <a:bodyPr/>
+          <a:lstStyle/>
+          <a:p>
+            <a:r>
+              <a:rPr lang="en-US" altLang="ko-KR" dirty="0"/>
+              <a:t>Next, I will explain which features influenced the prediction results.</a:t>
+            </a:r>
+          </a:p>
+          <a:p>
+            <a:endParaRPr lang="en-US" altLang="ko-KR" dirty="0"/>
+          </a:p>
+          <a:p>
+            <a:r>
+              <a:rPr lang="en-US" altLang="ko-KR" dirty="0"/>
+              <a:t>We analyzed feature importance to understand what factors affect customer subscription decisions.</a:t>
+            </a:r>
+          </a:p>
+          <a:p>
+            <a:endParaRPr lang="en-US" altLang="ko-KR" dirty="0"/>
+          </a:p>
+          <a:p>
+            <a:r>
+              <a:rPr lang="en-US" altLang="ko-KR" dirty="0"/>
+              <a:t>The most important feature was Euribor 3-month interest rate.</a:t>
+            </a:r>
+          </a:p>
+          <a:p>
+            <a:endParaRPr lang="en-US" altLang="ko-KR" dirty="0"/>
+          </a:p>
+          <a:p>
+            <a:r>
+              <a:rPr lang="en-US" altLang="ko-KR" dirty="0"/>
+              <a:t>This means the interest rate environment strongly affects whether customers subscribe.</a:t>
+            </a:r>
+          </a:p>
+          <a:p>
+            <a:endParaRPr lang="en-US" altLang="ko-KR" dirty="0"/>
+          </a:p>
+          <a:p>
+            <a:r>
+              <a:rPr lang="en-US" altLang="ko-KR" dirty="0"/>
+              <a:t>When interest rates change, customers’ financial decisions also change.</a:t>
+            </a:r>
+          </a:p>
+          <a:p>
+            <a:endParaRPr lang="en-US" altLang="ko-KR" dirty="0"/>
+          </a:p>
+          <a:p>
+            <a:r>
+              <a:rPr lang="en-US" altLang="ko-KR" dirty="0"/>
+              <a:t>The next important features were number of employees and employment variation rate.</a:t>
+            </a:r>
+          </a:p>
+          <a:p>
+            <a:endParaRPr lang="en-US" altLang="ko-KR" dirty="0"/>
+          </a:p>
+          <a:p>
+            <a:r>
+              <a:rPr lang="en-US" altLang="ko-KR" dirty="0"/>
+              <a:t>These are economic indicators, so they show that macroeconomic conditions play a major role.</a:t>
+            </a:r>
+          </a:p>
+          <a:p>
+            <a:endParaRPr lang="en-US" altLang="ko-KR" dirty="0"/>
+          </a:p>
+          <a:p>
+            <a:r>
+              <a:rPr lang="en-US" altLang="ko-KR" dirty="0"/>
+              <a:t>We also found that campaign factors such as contact month and contact method were important.</a:t>
+            </a:r>
+          </a:p>
+          <a:p>
+            <a:endParaRPr lang="en-US" altLang="ko-KR" dirty="0"/>
+          </a:p>
+          <a:p>
+            <a:r>
+              <a:rPr lang="en-US" altLang="ko-KR" dirty="0"/>
+              <a:t>This tells us that when and how we contact customers matters.</a:t>
+            </a:r>
+          </a:p>
+          <a:p>
+            <a:endParaRPr lang="en-US" altLang="ko-KR" dirty="0"/>
+          </a:p>
+          <a:p>
+            <a:r>
+              <a:rPr lang="en-US" altLang="ko-KR" dirty="0"/>
+              <a:t>Interestingly, personal information such as job or education had relatively lower importance.</a:t>
+            </a:r>
+          </a:p>
+          <a:p>
+            <a:endParaRPr lang="en-US" altLang="ko-KR" dirty="0"/>
+          </a:p>
+          <a:p>
+            <a:r>
+              <a:rPr lang="en-US" altLang="ko-KR" dirty="0"/>
+              <a:t>This means subscription decisions are influenced more by economic conditions and marketing strategy than by personal background.</a:t>
+            </a:r>
+          </a:p>
+          <a:p>
+            <a:endParaRPr lang="en-US" altLang="ko-KR" dirty="0"/>
+          </a:p>
+          <a:p>
+            <a:r>
+              <a:rPr lang="en-US" altLang="ko-KR" dirty="0"/>
+              <a:t>So, from this analysis, we learned that both economic timing and campaign design are key factors.</a:t>
+            </a:r>
+          </a:p>
+          <a:p>
+            <a:endParaRPr lang="en-US" altLang="ko-KR" dirty="0"/>
+          </a:p>
+          <a:p>
+            <a:r>
+              <a:rPr lang="en-US" altLang="ko-KR" dirty="0"/>
+              <a:t>-------------------------------------------------------------------------------------------------------------------------------------------------------------------------------------------</a:t>
+            </a:r>
+          </a:p>
+          <a:p>
+            <a:endParaRPr lang="en-US" altLang="ko-KR" dirty="0"/>
+          </a:p>
+          <a:p>
+            <a:r>
+              <a:rPr lang="en-US" altLang="ko-KR" dirty="0"/>
+              <a:t>We also compared correlation analysis with supervised learning results.</a:t>
+            </a:r>
+          </a:p>
+          <a:p>
+            <a:endParaRPr lang="en-US" altLang="ko-KR" dirty="0"/>
+          </a:p>
+          <a:p>
+            <a:r>
+              <a:rPr lang="en-US" altLang="ko-KR" dirty="0"/>
+              <a:t>Some variables like duration, number of employees, </a:t>
+            </a:r>
+            <a:r>
+              <a:rPr lang="en-US" altLang="ko-KR" dirty="0" err="1"/>
+              <a:t>pdays</a:t>
+            </a:r>
+            <a:r>
+              <a:rPr lang="en-US" altLang="ko-KR" dirty="0"/>
+              <a:t>, </a:t>
+            </a:r>
+            <a:r>
+              <a:rPr lang="en-US" altLang="ko-KR" dirty="0" err="1"/>
+              <a:t>poutcome</a:t>
+            </a:r>
+            <a:r>
+              <a:rPr lang="en-US" altLang="ko-KR" dirty="0"/>
+              <a:t>, and euribor3m showed high correlation.</a:t>
+            </a:r>
+          </a:p>
+          <a:p>
+            <a:endParaRPr lang="en-US" altLang="ko-KR" dirty="0"/>
+          </a:p>
+          <a:p>
+            <a:r>
+              <a:rPr lang="en-US" altLang="ko-KR" dirty="0"/>
+              <a:t>However, in supervised learning, only a few variables such as euribor3m, employment indicators, and month showed high importance.</a:t>
+            </a:r>
+          </a:p>
+          <a:p>
+            <a:endParaRPr lang="en-US" altLang="ko-KR" dirty="0"/>
+          </a:p>
+          <a:p>
+            <a:r>
+              <a:rPr lang="en-US" altLang="ko-KR" dirty="0"/>
+              <a:t>This difference happens because correlation measures relationships between variables, while supervised learning measures impact on prediction.</a:t>
+            </a:r>
+          </a:p>
+          <a:p>
+            <a:endParaRPr lang="en-US" altLang="ko-KR" dirty="0"/>
+          </a:p>
+          <a:p>
+            <a:r>
+              <a:rPr lang="en-US" altLang="ko-KR" dirty="0"/>
+              <a:t>So even if variables are related to each other, they may not all be useful for prediction.</a:t>
+            </a:r>
+          </a:p>
+          <a:p>
+            <a:endParaRPr lang="en-US" altLang="ko-KR" dirty="0"/>
+          </a:p>
+          <a:p>
+            <a:r>
+              <a:rPr lang="en-US" altLang="ko-KR" dirty="0"/>
+              <a:t>This helped us identify the most practical features for real marketing use.</a:t>
+            </a:r>
+            <a:endParaRPr lang="ko-KR" altLang="en-US" dirty="0"/>
+          </a:p>
+        </p:txBody>
+      </p:sp>
+      <p:sp>
+        <p:nvSpPr>
+          <p:cNvPr id="4" name="슬라이드 번호 개체 틀 3"/>
+          <p:cNvSpPr>
+            <a:spLocks noGrp="1"/>
+          </p:cNvSpPr>
+          <p:nvPr>
+            <p:ph type="sldNum" sz="quarter" idx="5"/>
+          </p:nvPr>
+        </p:nvSpPr>
+        <p:spPr/>
+        <p:txBody>
+          <a:bodyPr/>
+          <a:lstStyle/>
+          <a:p>
+            <a:fld id="{AAD9B243-0512-4BC5-85B5-75893B2C79C7}" type="slidenum">
+              <a:rPr lang="ko-KR" altLang="en-US" smtClean="0"/>
+              <a:t>10</a:t>
+            </a:fld>
+            <a:endParaRPr lang="ko-KR" altLang="en-US"/>
+          </a:p>
+        </p:txBody>
+      </p:sp>
+    </p:spTree>
+    <p:extLst>
+      <p:ext uri="{BB962C8B-B14F-4D97-AF65-F5344CB8AC3E}">
+        <p14:creationId xmlns:p14="http://schemas.microsoft.com/office/powerpoint/2010/main" val="3624790042"/>
+      </p:ext>
+    </p:extLst>
+  </p:cSld>
+  <p:clrMapOvr>
+    <a:masterClrMapping/>
+  </p:clrMapOvr>
+</p:notes>
+</file>
+
+<file path=ppt/notesSlides/notesSlide11.xml><?xml version="1.0" encoding="utf-8"?>
+<p:notes xmlns:a="http://schemas.openxmlformats.org/drawingml/2006/main" xmlns:r="http://schemas.openxmlformats.org/officeDocument/2006/relationships" xmlns:p="http://schemas.openxmlformats.org/presentationml/2006/main">
+  <p:cSld>
+    <p:spTree>
+      <p:nvGrpSpPr>
+        <p:cNvPr id="1" name=""/>
+        <p:cNvGrpSpPr/>
+        <p:nvPr/>
+      </p:nvGrpSpPr>
+      <p:grpSpPr>
+        <a:xfrm>
+          <a:off x="0" y="0"/>
+          <a:ext cx="0" cy="0"/>
+          <a:chOff x="0" y="0"/>
+          <a:chExt cx="0" cy="0"/>
+        </a:xfrm>
+      </p:grpSpPr>
+      <p:sp>
+        <p:nvSpPr>
+          <p:cNvPr id="2" name="슬라이드 이미지 개체 틀 1"/>
+          <p:cNvSpPr>
+            <a:spLocks noGrp="1" noRot="1" noChangeAspect="1"/>
+          </p:cNvSpPr>
+          <p:nvPr>
+            <p:ph type="sldImg"/>
+          </p:nvPr>
+        </p:nvSpPr>
+        <p:spPr/>
+      </p:sp>
+      <p:sp>
+        <p:nvSpPr>
+          <p:cNvPr id="3" name="슬라이드 노트 개체 틀 2"/>
+          <p:cNvSpPr>
+            <a:spLocks noGrp="1"/>
+          </p:cNvSpPr>
+          <p:nvPr>
+            <p:ph type="body" idx="1"/>
+          </p:nvPr>
+        </p:nvSpPr>
+        <p:spPr/>
+        <p:txBody>
+          <a:bodyPr/>
+          <a:lstStyle/>
+          <a:p>
+            <a:r>
+              <a:rPr lang="en-US" altLang="ko-KR" dirty="0"/>
+              <a:t>Finally, I will explain the business impact of our model.</a:t>
+            </a:r>
+          </a:p>
+          <a:p>
+            <a:endParaRPr lang="en-US" altLang="ko-KR" dirty="0"/>
+          </a:p>
+          <a:p>
+            <a:r>
+              <a:rPr lang="en-US" altLang="ko-KR" dirty="0"/>
+              <a:t>By applying our predictive model, we can significantly improve marketing efficiency.</a:t>
+            </a:r>
+          </a:p>
+          <a:p>
+            <a:endParaRPr lang="en-US" altLang="ko-KR" dirty="0"/>
+          </a:p>
+          <a:p>
+            <a:r>
+              <a:rPr lang="en-US" altLang="ko-KR" dirty="0"/>
+              <a:t>First, unnecessary calls can be reduced by about 70%.</a:t>
+            </a:r>
+          </a:p>
+          <a:p>
+            <a:endParaRPr lang="en-US" altLang="ko-KR" dirty="0"/>
+          </a:p>
+          <a:p>
+            <a:r>
+              <a:rPr lang="en-US" altLang="ko-KR" dirty="0"/>
+              <a:t>This means we contact fewer uninterested customers.</a:t>
+            </a:r>
+          </a:p>
+          <a:p>
+            <a:endParaRPr lang="en-US" altLang="ko-KR" dirty="0"/>
+          </a:p>
+          <a:p>
+            <a:r>
+              <a:rPr lang="en-US" altLang="ko-KR" dirty="0"/>
+              <a:t>Second, marketing success rate improves from 11.3% to 26.4%.</a:t>
+            </a:r>
+          </a:p>
+          <a:p>
+            <a:endParaRPr lang="en-US" altLang="ko-KR" dirty="0"/>
+          </a:p>
+          <a:p>
+            <a:r>
+              <a:rPr lang="en-US" altLang="ko-KR" dirty="0"/>
+              <a:t>That is about 2.3 times higher than before.</a:t>
+            </a:r>
+          </a:p>
+          <a:p>
+            <a:endParaRPr lang="en-US" altLang="ko-KR" dirty="0"/>
+          </a:p>
+          <a:p>
+            <a:r>
+              <a:rPr lang="en-US" altLang="ko-KR" dirty="0"/>
+              <a:t>This shows that targeting the right customers increases campaign effectiveness.</a:t>
+            </a:r>
+          </a:p>
+          <a:p>
+            <a:endParaRPr lang="en-US" altLang="ko-KR" dirty="0"/>
+          </a:p>
+          <a:p>
+            <a:r>
+              <a:rPr lang="en-US" altLang="ko-KR" dirty="0"/>
+              <a:t>Third, marketing cost can be reduced by approximately 140 million won.</a:t>
+            </a:r>
+          </a:p>
+          <a:p>
+            <a:endParaRPr lang="en-US" altLang="ko-KR" dirty="0"/>
+          </a:p>
+          <a:p>
+            <a:r>
+              <a:rPr lang="en-US" altLang="ko-KR" dirty="0"/>
+              <a:t>As a result, overall return on investment, or ROI, is maximized.</a:t>
+            </a:r>
+          </a:p>
+          <a:p>
+            <a:endParaRPr lang="en-US" altLang="ko-KR" dirty="0"/>
+          </a:p>
+          <a:p>
+            <a:r>
+              <a:rPr lang="en-US" altLang="ko-KR" dirty="0"/>
+              <a:t>In short, our model helps banks save cost while increasing marketing success.</a:t>
+            </a:r>
+            <a:endParaRPr lang="ko-KR" altLang="en-US" dirty="0"/>
+          </a:p>
+        </p:txBody>
+      </p:sp>
+      <p:sp>
+        <p:nvSpPr>
+          <p:cNvPr id="4" name="슬라이드 번호 개체 틀 3"/>
+          <p:cNvSpPr>
+            <a:spLocks noGrp="1"/>
+          </p:cNvSpPr>
+          <p:nvPr>
+            <p:ph type="sldNum" sz="quarter" idx="5"/>
+          </p:nvPr>
+        </p:nvSpPr>
+        <p:spPr/>
+        <p:txBody>
+          <a:bodyPr/>
+          <a:lstStyle/>
+          <a:p>
+            <a:fld id="{AAD9B243-0512-4BC5-85B5-75893B2C79C7}" type="slidenum">
+              <a:rPr lang="ko-KR" altLang="en-US" smtClean="0"/>
+              <a:t>11</a:t>
+            </a:fld>
+            <a:endParaRPr lang="ko-KR" altLang="en-US"/>
+          </a:p>
+        </p:txBody>
+      </p:sp>
+    </p:spTree>
+    <p:extLst>
+      <p:ext uri="{BB962C8B-B14F-4D97-AF65-F5344CB8AC3E}">
+        <p14:creationId xmlns:p14="http://schemas.microsoft.com/office/powerpoint/2010/main" val="683352670"/>
+      </p:ext>
+    </p:extLst>
+  </p:cSld>
+  <p:clrMapOvr>
+    <a:masterClrMapping/>
+  </p:clrMapOvr>
+</p:notes>
+</file>
+
+<file path=ppt/notesSlides/notesSlide12.xml><?xml version="1.0" encoding="utf-8"?>
+<p:notes xmlns:a="http://schemas.openxmlformats.org/drawingml/2006/main" xmlns:r="http://schemas.openxmlformats.org/officeDocument/2006/relationships" xmlns:p="http://schemas.openxmlformats.org/presentationml/2006/main">
+  <p:cSld>
+    <p:spTree>
+      <p:nvGrpSpPr>
+        <p:cNvPr id="1" name=""/>
+        <p:cNvGrpSpPr/>
+        <p:nvPr/>
+      </p:nvGrpSpPr>
+      <p:grpSpPr>
+        <a:xfrm>
+          <a:off x="0" y="0"/>
+          <a:ext cx="0" cy="0"/>
+          <a:chOff x="0" y="0"/>
+          <a:chExt cx="0" cy="0"/>
+        </a:xfrm>
+      </p:grpSpPr>
+      <p:sp>
+        <p:nvSpPr>
+          <p:cNvPr id="2" name="슬라이드 이미지 개체 틀 1"/>
+          <p:cNvSpPr>
+            <a:spLocks noGrp="1" noRot="1" noChangeAspect="1"/>
+          </p:cNvSpPr>
+          <p:nvPr>
+            <p:ph type="sldImg"/>
+          </p:nvPr>
+        </p:nvSpPr>
+        <p:spPr/>
+      </p:sp>
+      <p:sp>
+        <p:nvSpPr>
+          <p:cNvPr id="3" name="슬라이드 노트 개체 틀 2"/>
+          <p:cNvSpPr>
+            <a:spLocks noGrp="1"/>
+          </p:cNvSpPr>
+          <p:nvPr>
+            <p:ph type="body" idx="1"/>
+          </p:nvPr>
+        </p:nvSpPr>
+        <p:spPr/>
+        <p:txBody>
+          <a:bodyPr/>
+          <a:lstStyle/>
+          <a:p>
+            <a:r>
+              <a:rPr lang="en-US" altLang="ko-KR" dirty="0"/>
+              <a:t>To summarize,</a:t>
+            </a:r>
+          </a:p>
+          <a:p>
+            <a:endParaRPr lang="en-US" altLang="ko-KR" dirty="0"/>
+          </a:p>
+          <a:p>
+            <a:r>
+              <a:rPr lang="en-US" altLang="ko-KR" dirty="0"/>
+              <a:t>Our supervised learning model successfully predicts potential subscribers.</a:t>
+            </a:r>
+          </a:p>
+          <a:p>
+            <a:endParaRPr lang="en-US" altLang="ko-KR" dirty="0"/>
+          </a:p>
+          <a:p>
+            <a:r>
+              <a:rPr lang="en-US" altLang="ko-KR" dirty="0"/>
+              <a:t>Economic indicators and campaign timing were the most influential factors.</a:t>
+            </a:r>
+          </a:p>
+          <a:p>
+            <a:endParaRPr lang="en-US" altLang="ko-KR" dirty="0"/>
+          </a:p>
+          <a:p>
+            <a:r>
+              <a:rPr lang="en-US" altLang="ko-KR" dirty="0"/>
+              <a:t>By using this model, banks can improve marketing performance, reduce cost, and make smarter decisions.</a:t>
+            </a:r>
+          </a:p>
+          <a:p>
+            <a:endParaRPr lang="en-US" altLang="ko-KR" dirty="0"/>
+          </a:p>
+          <a:p>
+            <a:r>
+              <a:rPr lang="en-US" altLang="ko-KR"/>
+              <a:t>Thank you for listening.</a:t>
+            </a:r>
+            <a:endParaRPr lang="ko-KR" altLang="en-US"/>
+          </a:p>
+        </p:txBody>
+      </p:sp>
+      <p:sp>
+        <p:nvSpPr>
+          <p:cNvPr id="4" name="슬라이드 번호 개체 틀 3"/>
+          <p:cNvSpPr>
+            <a:spLocks noGrp="1"/>
+          </p:cNvSpPr>
+          <p:nvPr>
+            <p:ph type="sldNum" sz="quarter" idx="5"/>
+          </p:nvPr>
+        </p:nvSpPr>
+        <p:spPr/>
+        <p:txBody>
+          <a:bodyPr/>
+          <a:lstStyle/>
+          <a:p>
+            <a:fld id="{AAD9B243-0512-4BC5-85B5-75893B2C79C7}" type="slidenum">
+              <a:rPr lang="ko-KR" altLang="en-US" smtClean="0"/>
+              <a:t>12</a:t>
+            </a:fld>
+            <a:endParaRPr lang="ko-KR" altLang="en-US"/>
+          </a:p>
+        </p:txBody>
+      </p:sp>
+    </p:spTree>
+    <p:extLst>
+      <p:ext uri="{BB962C8B-B14F-4D97-AF65-F5344CB8AC3E}">
+        <p14:creationId xmlns:p14="http://schemas.microsoft.com/office/powerpoint/2010/main" val="1512957293"/>
+      </p:ext>
+    </p:extLst>
+  </p:cSld>
+  <p:clrMapOvr>
+    <a:masterClrMapping/>
+  </p:clrMapOvr>
+</p:notes>
+</file>
+
+<file path=ppt/notesSlides/notesSlide2.xml><?xml version="1.0" encoding="utf-8"?>
+<p:notes xmlns:a="http://schemas.openxmlformats.org/drawingml/2006/main" xmlns:r="http://schemas.openxmlformats.org/officeDocument/2006/relationships" xmlns:p="http://schemas.openxmlformats.org/presentationml/2006/main">
+  <p:cSld>
+    <p:spTree>
+      <p:nvGrpSpPr>
+        <p:cNvPr id="1" name=""/>
+        <p:cNvGrpSpPr/>
+        <p:nvPr/>
+      </p:nvGrpSpPr>
+      <p:grpSpPr>
+        <a:xfrm>
+          <a:off x="0" y="0"/>
+          <a:ext cx="0" cy="0"/>
+          <a:chOff x="0" y="0"/>
+          <a:chExt cx="0" cy="0"/>
+        </a:xfrm>
+      </p:grpSpPr>
+      <p:sp>
+        <p:nvSpPr>
+          <p:cNvPr id="2" name="슬라이드 이미지 개체 틀 1"/>
+          <p:cNvSpPr>
+            <a:spLocks noGrp="1" noRot="1" noChangeAspect="1"/>
+          </p:cNvSpPr>
+          <p:nvPr>
+            <p:ph type="sldImg"/>
+          </p:nvPr>
+        </p:nvSpPr>
+        <p:spPr/>
+      </p:sp>
+      <p:sp>
+        <p:nvSpPr>
+          <p:cNvPr id="3" name="슬라이드 노트 개체 틀 2"/>
+          <p:cNvSpPr>
+            <a:spLocks noGrp="1"/>
+          </p:cNvSpPr>
+          <p:nvPr>
+            <p:ph type="body" idx="1"/>
+          </p:nvPr>
+        </p:nvSpPr>
+        <p:spPr/>
+        <p:txBody>
+          <a:bodyPr/>
+          <a:lstStyle/>
+          <a:p>
+            <a:r>
+              <a:rPr lang="en-US" altLang="ko-KR" dirty="0"/>
+              <a:t>"For this project, we analyzed data from a bank’s campaign encouraging customers to subscribe to a term deposit.</a:t>
+            </a:r>
+          </a:p>
+          <a:p>
+            <a:endParaRPr lang="en-US" altLang="ko-KR" dirty="0"/>
+          </a:p>
+          <a:p>
+            <a:r>
+              <a:rPr lang="en-US" altLang="ko-KR" dirty="0"/>
+              <a:t> First, let’s look at the chart.</a:t>
+            </a:r>
+          </a:p>
+          <a:p>
+            <a:endParaRPr lang="en-US" altLang="ko-KR" dirty="0"/>
+          </a:p>
+          <a:p>
+            <a:r>
+              <a:rPr lang="en-US" altLang="ko-KR" dirty="0"/>
+              <a:t> The success rate for these calls was only 11.3%.</a:t>
+            </a:r>
+          </a:p>
+          <a:p>
+            <a:endParaRPr lang="en-US" altLang="ko-KR" dirty="0"/>
+          </a:p>
+          <a:p>
+            <a:r>
+              <a:rPr lang="en-US" altLang="ko-KR" dirty="0"/>
+              <a:t> This means 89% of the people did not subscribe.</a:t>
+            </a:r>
+          </a:p>
+          <a:p>
+            <a:endParaRPr lang="en-US" altLang="ko-KR" dirty="0"/>
+          </a:p>
+          <a:p>
+            <a:r>
+              <a:rPr lang="en-US" altLang="ko-KR" dirty="0"/>
+              <a:t> Why couldn't they capture the hearts of that 89%?</a:t>
+            </a:r>
+          </a:p>
+          <a:p>
+            <a:endParaRPr lang="en-US" altLang="ko-KR" dirty="0"/>
+          </a:p>
+          <a:p>
+            <a:r>
+              <a:rPr lang="en-US" altLang="ko-KR" dirty="0"/>
+              <a:t> Is it simply a lack of skill on the telemarketer's part?</a:t>
+            </a:r>
+          </a:p>
+          <a:p>
+            <a:endParaRPr lang="en-US" altLang="ko-KR" dirty="0"/>
+          </a:p>
+          <a:p>
+            <a:r>
+              <a:rPr lang="en-US" altLang="ko-KR" dirty="0"/>
+              <a:t> My take is that a random marketing strategy naturally leads to lower success rates, which ultimately increases marketing costs.</a:t>
+            </a:r>
+          </a:p>
+          <a:p>
+            <a:endParaRPr lang="en-US" altLang="ko-KR" dirty="0"/>
+          </a:p>
+          <a:p>
+            <a:r>
+              <a:rPr lang="en-US" altLang="ko-KR" dirty="0"/>
+              <a:t> So, how can we identify customers with a high probability of subscribing?</a:t>
+            </a:r>
+          </a:p>
+          <a:p>
+            <a:endParaRPr lang="en-US" altLang="ko-KR" dirty="0"/>
+          </a:p>
+          <a:p>
+            <a:r>
+              <a:rPr lang="en-US" altLang="ko-KR" dirty="0"/>
+              <a:t> From now on, we will use machine learning to predict our target audience."</a:t>
+            </a:r>
+            <a:endParaRPr lang="ko-KR" altLang="en-US" dirty="0"/>
+          </a:p>
+        </p:txBody>
+      </p:sp>
+      <p:sp>
+        <p:nvSpPr>
+          <p:cNvPr id="4" name="슬라이드 번호 개체 틀 3"/>
+          <p:cNvSpPr>
+            <a:spLocks noGrp="1"/>
+          </p:cNvSpPr>
+          <p:nvPr>
+            <p:ph type="sldNum" sz="quarter" idx="5"/>
+          </p:nvPr>
+        </p:nvSpPr>
+        <p:spPr/>
+        <p:txBody>
+          <a:bodyPr/>
+          <a:lstStyle/>
+          <a:p>
+            <a:fld id="{AAD9B243-0512-4BC5-85B5-75893B2C79C7}" type="slidenum">
+              <a:rPr lang="ko-KR" altLang="en-US" smtClean="0"/>
+              <a:t>2</a:t>
+            </a:fld>
+            <a:endParaRPr lang="ko-KR" altLang="en-US"/>
+          </a:p>
+        </p:txBody>
+      </p:sp>
+    </p:spTree>
+    <p:extLst>
+      <p:ext uri="{BB962C8B-B14F-4D97-AF65-F5344CB8AC3E}">
+        <p14:creationId xmlns:p14="http://schemas.microsoft.com/office/powerpoint/2010/main" val="893133754"/>
+      </p:ext>
+    </p:extLst>
+  </p:cSld>
+  <p:clrMapOvr>
+    <a:masterClrMapping/>
+  </p:clrMapOvr>
+</p:notes>
+</file>
+
+<file path=ppt/notesSlides/notesSlide3.xml><?xml version="1.0" encoding="utf-8"?>
+<p:notes xmlns:a="http://schemas.openxmlformats.org/drawingml/2006/main" xmlns:r="http://schemas.openxmlformats.org/officeDocument/2006/relationships" xmlns:p="http://schemas.openxmlformats.org/presentationml/2006/main">
+  <p:cSld>
+    <p:spTree>
+      <p:nvGrpSpPr>
+        <p:cNvPr id="1" name=""/>
+        <p:cNvGrpSpPr/>
+        <p:nvPr/>
+      </p:nvGrpSpPr>
+      <p:grpSpPr>
+        <a:xfrm>
+          <a:off x="0" y="0"/>
+          <a:ext cx="0" cy="0"/>
+          <a:chOff x="0" y="0"/>
+          <a:chExt cx="0" cy="0"/>
+        </a:xfrm>
+      </p:grpSpPr>
+      <p:sp>
+        <p:nvSpPr>
+          <p:cNvPr id="2" name="슬라이드 이미지 개체 틀 1"/>
+          <p:cNvSpPr>
+            <a:spLocks noGrp="1" noRot="1" noChangeAspect="1"/>
+          </p:cNvSpPr>
+          <p:nvPr>
+            <p:ph type="sldImg"/>
+          </p:nvPr>
+        </p:nvSpPr>
+        <p:spPr/>
+      </p:sp>
+      <p:sp>
+        <p:nvSpPr>
+          <p:cNvPr id="3" name="슬라이드 노트 개체 틀 2"/>
+          <p:cNvSpPr>
+            <a:spLocks noGrp="1"/>
+          </p:cNvSpPr>
+          <p:nvPr>
+            <p:ph type="body" idx="1"/>
+          </p:nvPr>
+        </p:nvSpPr>
+        <p:spPr/>
+        <p:txBody>
+          <a:bodyPr/>
+          <a:lstStyle/>
+          <a:p>
+            <a:r>
+              <a:rPr lang="en-US" altLang="ko-KR" dirty="0"/>
+              <a:t>"Let me introduce the data. </a:t>
+            </a:r>
+          </a:p>
+          <a:p>
+            <a:endParaRPr lang="en-US" altLang="ko-KR" dirty="0"/>
+          </a:p>
+          <a:p>
+            <a:r>
+              <a:rPr lang="en-US" altLang="ko-KR" dirty="0"/>
+              <a:t> We sourced our marketing dataset from Kaggle.</a:t>
+            </a:r>
+          </a:p>
+          <a:p>
+            <a:endParaRPr lang="en-US" altLang="ko-KR" dirty="0"/>
+          </a:p>
+          <a:p>
+            <a:r>
+              <a:rPr lang="en-US" altLang="ko-KR" dirty="0"/>
+              <a:t> It consists of 41,000 rows and 21 columns.</a:t>
+            </a:r>
+          </a:p>
+          <a:p>
+            <a:endParaRPr lang="en-US" altLang="ko-KR" dirty="0"/>
+          </a:p>
+          <a:p>
+            <a:r>
+              <a:rPr lang="en-US" altLang="ko-KR" dirty="0"/>
+              <a:t> The columns include features like age, job, and employment rate.</a:t>
+            </a:r>
+          </a:p>
+          <a:p>
+            <a:endParaRPr lang="en-US" altLang="ko-KR" dirty="0"/>
+          </a:p>
+          <a:p>
+            <a:r>
+              <a:rPr lang="en-US" altLang="ko-KR" dirty="0"/>
+              <a:t> On the right, you can see the class imbalance I mentioned earlier."</a:t>
+            </a:r>
+            <a:endParaRPr lang="ko-KR" altLang="en-US" dirty="0"/>
+          </a:p>
+        </p:txBody>
+      </p:sp>
+      <p:sp>
+        <p:nvSpPr>
+          <p:cNvPr id="4" name="슬라이드 번호 개체 틀 3"/>
+          <p:cNvSpPr>
+            <a:spLocks noGrp="1"/>
+          </p:cNvSpPr>
+          <p:nvPr>
+            <p:ph type="sldNum" sz="quarter" idx="5"/>
+          </p:nvPr>
+        </p:nvSpPr>
+        <p:spPr/>
+        <p:txBody>
+          <a:bodyPr/>
+          <a:lstStyle/>
+          <a:p>
+            <a:fld id="{AAD9B243-0512-4BC5-85B5-75893B2C79C7}" type="slidenum">
+              <a:rPr lang="ko-KR" altLang="en-US" smtClean="0"/>
+              <a:t>3</a:t>
+            </a:fld>
+            <a:endParaRPr lang="ko-KR" altLang="en-US"/>
+          </a:p>
+        </p:txBody>
+      </p:sp>
+    </p:spTree>
+    <p:extLst>
+      <p:ext uri="{BB962C8B-B14F-4D97-AF65-F5344CB8AC3E}">
+        <p14:creationId xmlns:p14="http://schemas.microsoft.com/office/powerpoint/2010/main" val="913822389"/>
+      </p:ext>
+    </p:extLst>
+  </p:cSld>
+  <p:clrMapOvr>
+    <a:masterClrMapping/>
+  </p:clrMapOvr>
+</p:notes>
+</file>
+
+<file path=ppt/notesSlides/notesSlide4.xml><?xml version="1.0" encoding="utf-8"?>
+<p:notes xmlns:a="http://schemas.openxmlformats.org/drawingml/2006/main" xmlns:r="http://schemas.openxmlformats.org/officeDocument/2006/relationships" xmlns:p="http://schemas.openxmlformats.org/presentationml/2006/main">
+  <p:cSld>
+    <p:spTree>
+      <p:nvGrpSpPr>
+        <p:cNvPr id="1" name=""/>
+        <p:cNvGrpSpPr/>
+        <p:nvPr/>
+      </p:nvGrpSpPr>
+      <p:grpSpPr>
+        <a:xfrm>
+          <a:off x="0" y="0"/>
+          <a:ext cx="0" cy="0"/>
+          <a:chOff x="0" y="0"/>
+          <a:chExt cx="0" cy="0"/>
+        </a:xfrm>
+      </p:grpSpPr>
+      <p:sp>
+        <p:nvSpPr>
+          <p:cNvPr id="2" name="슬라이드 이미지 개체 틀 1"/>
+          <p:cNvSpPr>
+            <a:spLocks noGrp="1" noRot="1" noChangeAspect="1"/>
+          </p:cNvSpPr>
+          <p:nvPr>
+            <p:ph type="sldImg"/>
+          </p:nvPr>
+        </p:nvSpPr>
+        <p:spPr/>
+      </p:sp>
+      <p:sp>
+        <p:nvSpPr>
+          <p:cNvPr id="3" name="슬라이드 노트 개체 틀 2"/>
+          <p:cNvSpPr>
+            <a:spLocks noGrp="1"/>
+          </p:cNvSpPr>
+          <p:nvPr>
+            <p:ph type="body" idx="1"/>
+          </p:nvPr>
+        </p:nvSpPr>
+        <p:spPr/>
+        <p:txBody>
+          <a:bodyPr/>
+          <a:lstStyle/>
+          <a:p>
+            <a:r>
+              <a:rPr lang="en-US" altLang="ko-KR" dirty="0"/>
+              <a:t>“We performed an Exploratory Data Analysis (EDA).</a:t>
+            </a:r>
+          </a:p>
+          <a:p>
+            <a:r>
+              <a:rPr lang="en-US" altLang="ko-KR" dirty="0"/>
+              <a:t> </a:t>
+            </a:r>
+          </a:p>
+          <a:p>
+            <a:r>
+              <a:rPr lang="en-US" altLang="ko-KR" dirty="0"/>
+              <a:t> First, we divided the data into categorical and numerical variables to see how each relates to the subscription status.</a:t>
+            </a:r>
+          </a:p>
+          <a:p>
+            <a:endParaRPr lang="en-US" altLang="ko-KR" dirty="0"/>
+          </a:p>
+          <a:p>
+            <a:r>
+              <a:rPr lang="en-US" altLang="ko-KR" dirty="0"/>
+              <a:t> Since these two types are measured differently, we couldn't use a standard correlation for the categorical data on the left.</a:t>
+            </a:r>
+          </a:p>
+          <a:p>
+            <a:endParaRPr lang="en-US" altLang="ko-KR" dirty="0"/>
+          </a:p>
+          <a:p>
+            <a:r>
+              <a:rPr lang="en-US" altLang="ko-KR" dirty="0"/>
+              <a:t> Instead, we measured the 'gap' between the overall average success rate and the success rate of specific groups within a column.</a:t>
+            </a:r>
+          </a:p>
+          <a:p>
+            <a:endParaRPr lang="en-US" altLang="ko-KR" dirty="0"/>
+          </a:p>
+          <a:p>
+            <a:r>
+              <a:rPr lang="en-US" altLang="ko-KR" dirty="0"/>
+              <a:t> Looking at the graph, columns with a large gap between their minimum and maximum values significantly influence the success rate.</a:t>
+            </a:r>
+          </a:p>
+          <a:p>
+            <a:endParaRPr lang="en-US" altLang="ko-KR" dirty="0"/>
+          </a:p>
+          <a:p>
+            <a:r>
+              <a:rPr lang="en-US" altLang="ko-KR" dirty="0"/>
+              <a:t> In the categorical data, '</a:t>
+            </a:r>
+            <a:r>
+              <a:rPr lang="en-US" altLang="ko-KR" dirty="0" err="1"/>
+              <a:t>poutcome</a:t>
+            </a:r>
+            <a:r>
+              <a:rPr lang="en-US" altLang="ko-KR" dirty="0"/>
+              <a:t>' had the greatest impact.</a:t>
+            </a:r>
+          </a:p>
+          <a:p>
+            <a:endParaRPr lang="en-US" altLang="ko-KR" dirty="0"/>
+          </a:p>
+          <a:p>
+            <a:r>
+              <a:rPr lang="en-US" altLang="ko-KR" dirty="0"/>
+              <a:t> On the right, we calculated the Pearson correlation for numerical data.</a:t>
+            </a:r>
+          </a:p>
+          <a:p>
+            <a:r>
+              <a:rPr lang="en-US" altLang="ko-KR" dirty="0"/>
+              <a:t> </a:t>
+            </a:r>
+          </a:p>
+          <a:p>
+            <a:r>
+              <a:rPr lang="en-US" altLang="ko-KR" dirty="0"/>
+              <a:t> Here, 'duration' was the most influential variable."</a:t>
+            </a:r>
+          </a:p>
+          <a:p>
+            <a:endParaRPr lang="ko-KR" altLang="en-US" dirty="0"/>
+          </a:p>
+        </p:txBody>
+      </p:sp>
+      <p:sp>
+        <p:nvSpPr>
+          <p:cNvPr id="4" name="슬라이드 번호 개체 틀 3"/>
+          <p:cNvSpPr>
+            <a:spLocks noGrp="1"/>
+          </p:cNvSpPr>
+          <p:nvPr>
+            <p:ph type="sldNum" sz="quarter" idx="5"/>
+          </p:nvPr>
+        </p:nvSpPr>
+        <p:spPr/>
+        <p:txBody>
+          <a:bodyPr/>
+          <a:lstStyle/>
+          <a:p>
+            <a:fld id="{AAD9B243-0512-4BC5-85B5-75893B2C79C7}" type="slidenum">
+              <a:rPr lang="ko-KR" altLang="en-US" smtClean="0"/>
+              <a:t>4</a:t>
+            </a:fld>
+            <a:endParaRPr lang="ko-KR" altLang="en-US"/>
+          </a:p>
+        </p:txBody>
+      </p:sp>
+    </p:spTree>
+    <p:extLst>
+      <p:ext uri="{BB962C8B-B14F-4D97-AF65-F5344CB8AC3E}">
+        <p14:creationId xmlns:p14="http://schemas.microsoft.com/office/powerpoint/2010/main" val="525217290"/>
+      </p:ext>
+    </p:extLst>
+  </p:cSld>
+  <p:clrMapOvr>
+    <a:masterClrMapping/>
+  </p:clrMapOvr>
+</p:notes>
+</file>
+
+<file path=ppt/notesSlides/notesSlide5.xml><?xml version="1.0" encoding="utf-8"?>
+<p:notes xmlns:a="http://schemas.openxmlformats.org/drawingml/2006/main" xmlns:r="http://schemas.openxmlformats.org/officeDocument/2006/relationships" xmlns:p="http://schemas.openxmlformats.org/presentationml/2006/main">
+  <p:cSld>
+    <p:spTree>
+      <p:nvGrpSpPr>
+        <p:cNvPr id="1" name=""/>
+        <p:cNvGrpSpPr/>
+        <p:nvPr/>
+      </p:nvGrpSpPr>
+      <p:grpSpPr>
+        <a:xfrm>
+          <a:off x="0" y="0"/>
+          <a:ext cx="0" cy="0"/>
+          <a:chOff x="0" y="0"/>
+          <a:chExt cx="0" cy="0"/>
+        </a:xfrm>
+      </p:grpSpPr>
+      <p:sp>
+        <p:nvSpPr>
+          <p:cNvPr id="2" name="슬라이드 이미지 개체 틀 1"/>
+          <p:cNvSpPr>
+            <a:spLocks noGrp="1" noRot="1" noChangeAspect="1"/>
+          </p:cNvSpPr>
+          <p:nvPr>
+            <p:ph type="sldImg"/>
+          </p:nvPr>
+        </p:nvSpPr>
+        <p:spPr/>
+      </p:sp>
+      <p:sp>
+        <p:nvSpPr>
+          <p:cNvPr id="3" name="슬라이드 노트 개체 틀 2"/>
+          <p:cNvSpPr>
+            <a:spLocks noGrp="1"/>
+          </p:cNvSpPr>
+          <p:nvPr>
+            <p:ph type="body" idx="1"/>
+          </p:nvPr>
+        </p:nvSpPr>
+        <p:spPr/>
+        <p:txBody>
+          <a:bodyPr/>
+          <a:lstStyle/>
+          <a:p>
+            <a:r>
+              <a:rPr lang="en-US" altLang="ko-KR" dirty="0"/>
+              <a:t>"However, to apply this to a machine learning model, we needed a unified standard to compare categorical and numerical data.</a:t>
+            </a:r>
+          </a:p>
+          <a:p>
+            <a:endParaRPr lang="en-US" altLang="ko-KR" dirty="0"/>
+          </a:p>
+          <a:p>
+            <a:r>
+              <a:rPr lang="en-US" altLang="ko-KR" dirty="0"/>
+              <a:t>Therefore, we applied Cramer’s V to categorical data and the absolute value of Pearson’s r to numerical data. By mapping both to a range of 0 to 1, we were able to compare them directly.</a:t>
+            </a:r>
+          </a:p>
+          <a:p>
+            <a:endParaRPr lang="en-US" altLang="ko-KR" dirty="0"/>
+          </a:p>
+          <a:p>
+            <a:r>
+              <a:rPr lang="en-US" altLang="ko-KR" dirty="0"/>
+              <a:t>As a result, we identified the top 5 key factors influencing subscription success: duration, </a:t>
+            </a:r>
+            <a:r>
+              <a:rPr lang="en-US" altLang="ko-KR" dirty="0" err="1"/>
+              <a:t>nr.employed</a:t>
+            </a:r>
+            <a:r>
+              <a:rPr lang="en-US" altLang="ko-KR" dirty="0"/>
+              <a:t>, </a:t>
+            </a:r>
+            <a:r>
+              <a:rPr lang="en-US" altLang="ko-KR" dirty="0" err="1"/>
+              <a:t>pdays</a:t>
+            </a:r>
+            <a:r>
+              <a:rPr lang="en-US" altLang="ko-KR" dirty="0"/>
+              <a:t>, </a:t>
+            </a:r>
+            <a:r>
+              <a:rPr lang="en-US" altLang="ko-KR" dirty="0" err="1"/>
+              <a:t>poutcome</a:t>
+            </a:r>
+            <a:r>
+              <a:rPr lang="en-US" altLang="ko-KR" dirty="0"/>
+              <a:t>, and euribor3m.</a:t>
+            </a:r>
+          </a:p>
+          <a:p>
+            <a:endParaRPr lang="en-US" altLang="ko-KR" dirty="0"/>
+          </a:p>
+          <a:p>
+            <a:r>
+              <a:rPr lang="en-US" altLang="ko-KR" dirty="0"/>
+              <a:t>The key takeaway here is that we succeeded in ranking the importance of variables with different characteristics by standardizing their scales.</a:t>
+            </a:r>
+          </a:p>
+          <a:p>
+            <a:endParaRPr lang="en-US" altLang="ko-KR" dirty="0"/>
+          </a:p>
+          <a:p>
+            <a:r>
+              <a:rPr lang="en-US" altLang="ko-KR" dirty="0"/>
+              <a:t>Now, our teammate Jiha will continue with a deeper analysis of these five key features."</a:t>
+            </a:r>
+          </a:p>
+          <a:p>
+            <a:endParaRPr lang="ko-KR" altLang="en-US" dirty="0"/>
+          </a:p>
+        </p:txBody>
+      </p:sp>
+      <p:sp>
+        <p:nvSpPr>
+          <p:cNvPr id="4" name="슬라이드 번호 개체 틀 3"/>
+          <p:cNvSpPr>
+            <a:spLocks noGrp="1"/>
+          </p:cNvSpPr>
+          <p:nvPr>
+            <p:ph type="sldNum" sz="quarter" idx="5"/>
+          </p:nvPr>
+        </p:nvSpPr>
+        <p:spPr/>
+        <p:txBody>
+          <a:bodyPr/>
+          <a:lstStyle/>
+          <a:p>
+            <a:fld id="{AAD9B243-0512-4BC5-85B5-75893B2C79C7}" type="slidenum">
+              <a:rPr lang="ko-KR" altLang="en-US" smtClean="0"/>
+              <a:t>5</a:t>
+            </a:fld>
+            <a:endParaRPr lang="ko-KR" altLang="en-US"/>
+          </a:p>
+        </p:txBody>
+      </p:sp>
+    </p:spTree>
+    <p:extLst>
+      <p:ext uri="{BB962C8B-B14F-4D97-AF65-F5344CB8AC3E}">
+        <p14:creationId xmlns:p14="http://schemas.microsoft.com/office/powerpoint/2010/main" val="3677262673"/>
+      </p:ext>
+    </p:extLst>
+  </p:cSld>
+  <p:clrMapOvr>
+    <a:masterClrMapping/>
+  </p:clrMapOvr>
+</p:notes>
+</file>
+
+<file path=ppt/notesSlides/notesSlide6.xml><?xml version="1.0" encoding="utf-8"?>
+<p:notes xmlns:a="http://schemas.openxmlformats.org/drawingml/2006/main" xmlns:r="http://schemas.openxmlformats.org/officeDocument/2006/relationships" xmlns:p="http://schemas.openxmlformats.org/presentationml/2006/main">
+  <p:cSld>
+    <p:spTree>
+      <p:nvGrpSpPr>
+        <p:cNvPr id="1" name=""/>
+        <p:cNvGrpSpPr/>
+        <p:nvPr/>
+      </p:nvGrpSpPr>
+      <p:grpSpPr>
+        <a:xfrm>
+          <a:off x="0" y="0"/>
+          <a:ext cx="0" cy="0"/>
+          <a:chOff x="0" y="0"/>
+          <a:chExt cx="0" cy="0"/>
+        </a:xfrm>
+      </p:grpSpPr>
+      <p:sp>
+        <p:nvSpPr>
+          <p:cNvPr id="2" name="슬라이드 이미지 개체 틀 1"/>
+          <p:cNvSpPr>
+            <a:spLocks noGrp="1" noRot="1" noChangeAspect="1"/>
+          </p:cNvSpPr>
+          <p:nvPr>
+            <p:ph type="sldImg"/>
+          </p:nvPr>
+        </p:nvSpPr>
+        <p:spPr/>
+      </p:sp>
+      <p:sp>
+        <p:nvSpPr>
+          <p:cNvPr id="3" name="슬라이드 노트 개체 틀 2"/>
+          <p:cNvSpPr>
+            <a:spLocks noGrp="1"/>
+          </p:cNvSpPr>
+          <p:nvPr>
+            <p:ph type="body" idx="1"/>
+          </p:nvPr>
+        </p:nvSpPr>
+        <p:spPr/>
+        <p:txBody>
+          <a:bodyPr/>
+          <a:lstStyle/>
+          <a:p>
+            <a:r>
+              <a:rPr lang="en-US" altLang="ko-KR" sz="1400" dirty="0"/>
+              <a:t>Slide 6 shows our EDA results.</a:t>
+            </a:r>
+            <a:br>
+              <a:rPr lang="en-US" altLang="ko-KR" sz="1400" dirty="0"/>
+            </a:br>
+            <a:r>
+              <a:rPr lang="en-US" altLang="ko-KR" sz="1400" dirty="0"/>
+              <a:t>Our goal is to find which features are most related to the target </a:t>
+            </a:r>
+            <a:r>
+              <a:rPr lang="en-US" altLang="ko-KR" sz="1400" b="1" dirty="0"/>
+              <a:t>Y</a:t>
+            </a:r>
+            <a:r>
+              <a:rPr lang="en-US" altLang="ko-KR" sz="1400" dirty="0"/>
+              <a:t>, which is subscription, so we can understand what signals indicate a likely subscriber.</a:t>
+            </a:r>
+          </a:p>
+          <a:p>
+            <a:r>
+              <a:rPr lang="en-US" altLang="ko-KR" sz="1400" dirty="0"/>
+              <a:t>The top features were </a:t>
+            </a:r>
+            <a:r>
+              <a:rPr lang="en-US" altLang="ko-KR" sz="1400" b="1" dirty="0"/>
+              <a:t>duration, employed, </a:t>
+            </a:r>
+            <a:r>
+              <a:rPr lang="en-US" altLang="ko-KR" sz="1400" b="1" dirty="0" err="1"/>
+              <a:t>pdays</a:t>
+            </a:r>
+            <a:r>
+              <a:rPr lang="en-US" altLang="ko-KR" sz="1400" b="1" dirty="0"/>
+              <a:t>, </a:t>
+            </a:r>
+            <a:r>
+              <a:rPr lang="en-US" altLang="ko-KR" sz="1400" b="1" dirty="0" err="1"/>
+              <a:t>poutcome</a:t>
+            </a:r>
+            <a:r>
+              <a:rPr lang="en-US" altLang="ko-KR" sz="1400" b="1" dirty="0"/>
+              <a:t>, and </a:t>
+            </a:r>
+            <a:r>
+              <a:rPr lang="en-US" altLang="ko-KR" sz="1400" b="1" dirty="0" err="1"/>
+              <a:t>basemoney</a:t>
+            </a:r>
+            <a:r>
+              <a:rPr lang="en-US" altLang="ko-KR" sz="1400" b="1" dirty="0"/>
+              <a:t> rate</a:t>
+            </a:r>
+            <a:r>
+              <a:rPr lang="en-US" altLang="ko-KR" sz="1400" dirty="0"/>
+              <a:t>.</a:t>
+            </a:r>
+          </a:p>
+          <a:p>
+            <a:endParaRPr lang="en-US" altLang="ko-KR" sz="1400" dirty="0"/>
+          </a:p>
+          <a:p>
+            <a:r>
+              <a:rPr lang="en-US" altLang="ko-KR" sz="1400" dirty="0"/>
+              <a:t>First, </a:t>
+            </a:r>
+            <a:r>
+              <a:rPr lang="en-US" altLang="ko-KR" sz="1400" b="1" dirty="0" err="1"/>
+              <a:t>poutcome</a:t>
+            </a:r>
+            <a:r>
+              <a:rPr lang="en-US" altLang="ko-KR" sz="1400" dirty="0"/>
+              <a:t> and </a:t>
+            </a:r>
+            <a:r>
+              <a:rPr lang="en-US" altLang="ko-KR" sz="1400" b="1" dirty="0" err="1"/>
+              <a:t>pdays</a:t>
+            </a:r>
+            <a:r>
+              <a:rPr lang="en-US" altLang="ko-KR" sz="1400" dirty="0"/>
+              <a:t> represent the customer’s previous campaign history.</a:t>
+            </a:r>
+            <a:br>
+              <a:rPr lang="en-US" altLang="ko-KR" sz="1400" dirty="0"/>
+            </a:br>
+            <a:r>
+              <a:rPr lang="en-US" altLang="ko-KR" sz="1400" dirty="0"/>
+              <a:t>Customers who had a successful outcome before, or customers who were contacted more recently, clearly show a higher subscription rate.</a:t>
+            </a:r>
+            <a:br>
+              <a:rPr lang="en-US" altLang="ko-KR" sz="1400" dirty="0"/>
+            </a:br>
+            <a:r>
+              <a:rPr lang="en-US" altLang="ko-KR" sz="1400" dirty="0"/>
+              <a:t>So, past response history is a very strong signal.</a:t>
+            </a:r>
+          </a:p>
+          <a:p>
+            <a:endParaRPr lang="en-US" altLang="ko-KR" sz="1400" dirty="0"/>
+          </a:p>
+          <a:p>
+            <a:r>
+              <a:rPr lang="en-US" altLang="ko-KR" sz="1400" dirty="0"/>
+              <a:t>Next, </a:t>
+            </a:r>
+            <a:r>
+              <a:rPr lang="en-US" altLang="ko-KR" sz="1400" b="1" dirty="0" err="1"/>
+              <a:t>basemoney</a:t>
+            </a:r>
+            <a:r>
+              <a:rPr lang="en-US" altLang="ko-KR" sz="1400" b="1" dirty="0"/>
+              <a:t> rate</a:t>
+            </a:r>
+            <a:r>
+              <a:rPr lang="en-US" altLang="ko-KR" sz="1400" dirty="0"/>
+              <a:t> and </a:t>
+            </a:r>
+            <a:r>
+              <a:rPr lang="en-US" altLang="ko-KR" sz="1400" b="1" dirty="0"/>
+              <a:t>employed</a:t>
+            </a:r>
+            <a:r>
+              <a:rPr lang="en-US" altLang="ko-KR" sz="1400" dirty="0"/>
+              <a:t> are macro-economic variables.</a:t>
+            </a:r>
+            <a:br>
+              <a:rPr lang="en-US" altLang="ko-KR" sz="1400" dirty="0"/>
+            </a:br>
+            <a:r>
+              <a:rPr lang="en-US" altLang="ko-KR" sz="1400" dirty="0"/>
+              <a:t>This suggests that subscription is not only about customer characteristics, but also about the overall market situation—like interest rates and employment conditions.</a:t>
+            </a:r>
+          </a:p>
+          <a:p>
+            <a:endParaRPr lang="en-US" altLang="ko-KR" sz="1400" dirty="0"/>
+          </a:p>
+          <a:p>
+            <a:r>
+              <a:rPr lang="en-US" altLang="ko-KR" sz="1400" dirty="0"/>
+              <a:t>Finally, </a:t>
+            </a:r>
+            <a:r>
+              <a:rPr lang="en-US" altLang="ko-KR" sz="1400" b="1" dirty="0"/>
+              <a:t>duration</a:t>
+            </a:r>
+            <a:r>
+              <a:rPr lang="en-US" altLang="ko-KR" sz="1400" dirty="0"/>
+              <a:t> has the strongest correlation, but it is only known after the call ends.</a:t>
+            </a:r>
+            <a:br>
+              <a:rPr lang="en-US" altLang="ko-KR" sz="1400" dirty="0"/>
+            </a:br>
+            <a:r>
+              <a:rPr lang="en-US" altLang="ko-KR" sz="1400" dirty="0"/>
+              <a:t>So, if we use it directly for targeting, it can cause data leakage.</a:t>
+            </a:r>
+            <a:br>
+              <a:rPr lang="en-US" altLang="ko-KR" sz="1400" dirty="0"/>
+            </a:br>
+            <a:r>
+              <a:rPr lang="en-US" altLang="ko-KR" sz="1400" dirty="0"/>
+              <a:t>That’s why we treat duration mainly as an explanatory feature, and we use it carefully for real targeting.”</a:t>
+            </a:r>
+          </a:p>
+          <a:p>
+            <a:endParaRPr lang="ko-KR" altLang="en-US" dirty="0"/>
+          </a:p>
+        </p:txBody>
+      </p:sp>
+      <p:sp>
+        <p:nvSpPr>
+          <p:cNvPr id="4" name="슬라이드 번호 개체 틀 3"/>
+          <p:cNvSpPr>
+            <a:spLocks noGrp="1"/>
+          </p:cNvSpPr>
+          <p:nvPr>
+            <p:ph type="sldNum" sz="quarter" idx="5"/>
+          </p:nvPr>
+        </p:nvSpPr>
+        <p:spPr/>
+        <p:txBody>
+          <a:bodyPr/>
+          <a:lstStyle/>
+          <a:p>
+            <a:fld id="{AAD9B243-0512-4BC5-85B5-75893B2C79C7}" type="slidenum">
+              <a:rPr lang="ko-KR" altLang="en-US" smtClean="0"/>
+              <a:t>6</a:t>
+            </a:fld>
+            <a:endParaRPr lang="ko-KR" altLang="en-US"/>
+          </a:p>
+        </p:txBody>
+      </p:sp>
+    </p:spTree>
+    <p:extLst>
+      <p:ext uri="{BB962C8B-B14F-4D97-AF65-F5344CB8AC3E}">
+        <p14:creationId xmlns:p14="http://schemas.microsoft.com/office/powerpoint/2010/main" val="114876528"/>
+      </p:ext>
+    </p:extLst>
+  </p:cSld>
+  <p:clrMapOvr>
+    <a:masterClrMapping/>
+  </p:clrMapOvr>
+</p:notes>
+</file>
+
+<file path=ppt/notesSlides/notesSlide7.xml><?xml version="1.0" encoding="utf-8"?>
+<p:notes xmlns:a="http://schemas.openxmlformats.org/drawingml/2006/main" xmlns:r="http://schemas.openxmlformats.org/officeDocument/2006/relationships" xmlns:p="http://schemas.openxmlformats.org/presentationml/2006/main">
+  <p:cSld>
+    <p:spTree>
+      <p:nvGrpSpPr>
+        <p:cNvPr id="1" name=""/>
+        <p:cNvGrpSpPr/>
+        <p:nvPr/>
+      </p:nvGrpSpPr>
+      <p:grpSpPr>
+        <a:xfrm>
+          <a:off x="0" y="0"/>
+          <a:ext cx="0" cy="0"/>
+          <a:chOff x="0" y="0"/>
+          <a:chExt cx="0" cy="0"/>
+        </a:xfrm>
+      </p:grpSpPr>
+      <p:sp>
+        <p:nvSpPr>
+          <p:cNvPr id="2" name="슬라이드 이미지 개체 틀 1"/>
+          <p:cNvSpPr>
+            <a:spLocks noGrp="1" noRot="1" noChangeAspect="1"/>
+          </p:cNvSpPr>
+          <p:nvPr>
+            <p:ph type="sldImg"/>
+          </p:nvPr>
+        </p:nvSpPr>
+        <p:spPr/>
+      </p:sp>
+      <p:sp>
+        <p:nvSpPr>
+          <p:cNvPr id="3" name="슬라이드 노트 개체 틀 2"/>
+          <p:cNvSpPr>
+            <a:spLocks noGrp="1"/>
+          </p:cNvSpPr>
+          <p:nvPr>
+            <p:ph type="body" idx="1"/>
+          </p:nvPr>
+        </p:nvSpPr>
+        <p:spPr/>
+        <p:txBody>
+          <a:bodyPr/>
+          <a:lstStyle/>
+          <a:p>
+            <a:r>
+              <a:rPr lang="en-US" altLang="ko-KR" dirty="0"/>
+              <a:t>Slide 7 is about choosing the best </a:t>
+            </a:r>
+            <a:r>
+              <a:rPr lang="en-US" altLang="ko-KR" b="1" dirty="0"/>
+              <a:t>K</a:t>
+            </a:r>
+            <a:r>
+              <a:rPr lang="en-US" altLang="ko-KR" dirty="0"/>
+              <a:t> for K-means clustering.</a:t>
+            </a:r>
+            <a:br>
+              <a:rPr lang="en-US" altLang="ko-KR" dirty="0"/>
+            </a:br>
+            <a:r>
+              <a:rPr lang="en-US" altLang="ko-KR" dirty="0"/>
+              <a:t>Based on the elbow method and silhouette score, </a:t>
+            </a:r>
+            <a:r>
+              <a:rPr lang="en-US" altLang="ko-KR" b="1" dirty="0"/>
+              <a:t>K = 3</a:t>
+            </a:r>
+            <a:r>
+              <a:rPr lang="en-US" altLang="ko-KR" dirty="0"/>
+              <a:t> looks the best by score</a:t>
+            </a:r>
+          </a:p>
+          <a:p>
+            <a:endParaRPr lang="en-US" altLang="ko-KR" dirty="0"/>
+          </a:p>
+          <a:p>
+            <a:r>
+              <a:rPr lang="en-US" altLang="ko-KR" dirty="0"/>
+              <a:t>However, our goal is not just the best score.</a:t>
+            </a:r>
+            <a:br>
+              <a:rPr lang="en-US" altLang="ko-KR" dirty="0"/>
+            </a:br>
+            <a:r>
+              <a:rPr lang="en-US" altLang="ko-KR" dirty="0"/>
+              <a:t>We need clusters that are </a:t>
+            </a:r>
+            <a:r>
+              <a:rPr lang="en-US" altLang="ko-KR" b="1" dirty="0"/>
+              <a:t>interpretable and actionable</a:t>
+            </a:r>
+            <a:r>
+              <a:rPr lang="en-US" altLang="ko-KR" dirty="0"/>
+              <a:t> for marketing.</a:t>
+            </a:r>
+          </a:p>
+          <a:p>
+            <a:endParaRPr lang="en-US" altLang="ko-KR" dirty="0"/>
+          </a:p>
+          <a:p>
+            <a:r>
+              <a:rPr lang="en-US" altLang="ko-KR" dirty="0"/>
+              <a:t>With </a:t>
+            </a:r>
+            <a:r>
+              <a:rPr lang="en-US" altLang="ko-KR" b="1" dirty="0"/>
+              <a:t>K = 3</a:t>
+            </a:r>
+            <a:r>
+              <a:rPr lang="en-US" altLang="ko-KR" dirty="0"/>
+              <a:t>, the groups were too broad, so it was difficult to decide what strategy to apply to each group.</a:t>
+            </a:r>
+            <a:br>
+              <a:rPr lang="en-US" altLang="ko-KR" dirty="0"/>
+            </a:br>
+            <a:r>
+              <a:rPr lang="en-US" altLang="ko-KR" dirty="0"/>
+              <a:t>But with </a:t>
+            </a:r>
+            <a:r>
+              <a:rPr lang="en-US" altLang="ko-KR" b="1" dirty="0"/>
+              <a:t>K = 5</a:t>
+            </a:r>
+            <a:r>
+              <a:rPr lang="en-US" altLang="ko-KR" dirty="0"/>
+              <a:t>, the clusters were more clearly separated, and each group could be explained as a specific customer type.</a:t>
+            </a:r>
+            <a:br>
+              <a:rPr lang="en-US" altLang="ko-KR" dirty="0"/>
+            </a:br>
+            <a:endParaRPr lang="en-US" altLang="ko-KR" dirty="0"/>
+          </a:p>
+          <a:p>
+            <a:r>
+              <a:rPr lang="en-US" altLang="ko-KR" dirty="0"/>
+              <a:t>So, we selected </a:t>
+            </a:r>
+            <a:r>
+              <a:rPr lang="en-US" altLang="ko-KR" b="1" dirty="0"/>
+              <a:t>K = 5</a:t>
+            </a:r>
+            <a:r>
+              <a:rPr lang="en-US" altLang="ko-KR" dirty="0"/>
+              <a:t> because it works better for decision-making.</a:t>
+            </a:r>
+          </a:p>
+          <a:p>
+            <a:endParaRPr lang="ko-KR" altLang="en-US" dirty="0"/>
+          </a:p>
+        </p:txBody>
+      </p:sp>
+      <p:sp>
+        <p:nvSpPr>
+          <p:cNvPr id="4" name="슬라이드 번호 개체 틀 3"/>
+          <p:cNvSpPr>
+            <a:spLocks noGrp="1"/>
+          </p:cNvSpPr>
+          <p:nvPr>
+            <p:ph type="sldNum" sz="quarter" idx="5"/>
+          </p:nvPr>
+        </p:nvSpPr>
+        <p:spPr/>
+        <p:txBody>
+          <a:bodyPr/>
+          <a:lstStyle/>
+          <a:p>
+            <a:fld id="{AAD9B243-0512-4BC5-85B5-75893B2C79C7}" type="slidenum">
+              <a:rPr lang="ko-KR" altLang="en-US" smtClean="0"/>
+              <a:t>7</a:t>
+            </a:fld>
+            <a:endParaRPr lang="ko-KR" altLang="en-US"/>
+          </a:p>
+        </p:txBody>
+      </p:sp>
+    </p:spTree>
+    <p:extLst>
+      <p:ext uri="{BB962C8B-B14F-4D97-AF65-F5344CB8AC3E}">
+        <p14:creationId xmlns:p14="http://schemas.microsoft.com/office/powerpoint/2010/main" val="1536460032"/>
+      </p:ext>
+    </p:extLst>
+  </p:cSld>
+  <p:clrMapOvr>
+    <a:masterClrMapping/>
+  </p:clrMapOvr>
+</p:notes>
+</file>
+
+<file path=ppt/notesSlides/notesSlide8.xml><?xml version="1.0" encoding="utf-8"?>
+<p:notes xmlns:a="http://schemas.openxmlformats.org/drawingml/2006/main" xmlns:r="http://schemas.openxmlformats.org/officeDocument/2006/relationships" xmlns:p="http://schemas.openxmlformats.org/presentationml/2006/main">
+  <p:cSld>
+    <p:spTree>
+      <p:nvGrpSpPr>
+        <p:cNvPr id="1" name=""/>
+        <p:cNvGrpSpPr/>
+        <p:nvPr/>
+      </p:nvGrpSpPr>
+      <p:grpSpPr>
+        <a:xfrm>
+          <a:off x="0" y="0"/>
+          <a:ext cx="0" cy="0"/>
+          <a:chOff x="0" y="0"/>
+          <a:chExt cx="0" cy="0"/>
+        </a:xfrm>
+      </p:grpSpPr>
+      <p:sp>
+        <p:nvSpPr>
+          <p:cNvPr id="2" name="슬라이드 이미지 개체 틀 1"/>
+          <p:cNvSpPr>
+            <a:spLocks noGrp="1" noRot="1" noChangeAspect="1"/>
+          </p:cNvSpPr>
+          <p:nvPr>
+            <p:ph type="sldImg"/>
+          </p:nvPr>
+        </p:nvSpPr>
+        <p:spPr/>
+      </p:sp>
+      <p:sp>
+        <p:nvSpPr>
+          <p:cNvPr id="3" name="슬라이드 노트 개체 틀 2"/>
+          <p:cNvSpPr>
+            <a:spLocks noGrp="1"/>
+          </p:cNvSpPr>
+          <p:nvPr>
+            <p:ph type="body" idx="1"/>
+          </p:nvPr>
+        </p:nvSpPr>
+        <p:spPr/>
+        <p:txBody>
+          <a:bodyPr/>
+          <a:lstStyle/>
+          <a:p>
+            <a:r>
+              <a:rPr lang="en-US" altLang="ko-KR" dirty="0"/>
+              <a:t>Slide 8 explains the characteristics of each cluster when </a:t>
+            </a:r>
+            <a:r>
+              <a:rPr lang="en-US" altLang="ko-KR" b="1" dirty="0"/>
+              <a:t>K = 5</a:t>
+            </a:r>
+            <a:r>
+              <a:rPr lang="en-US" altLang="ko-KR" dirty="0"/>
+              <a:t>.</a:t>
+            </a:r>
+            <a:br>
+              <a:rPr lang="en-US" altLang="ko-KR" dirty="0"/>
+            </a:br>
+            <a:r>
+              <a:rPr lang="en-US" altLang="ko-KR" dirty="0"/>
+              <a:t>The key point is that each cluster shows different subscription rates and behavior patterns.</a:t>
+            </a:r>
+          </a:p>
+          <a:p>
+            <a:endParaRPr lang="en-US" altLang="ko-KR" dirty="0"/>
+          </a:p>
+          <a:p>
+            <a:r>
+              <a:rPr lang="en-US" altLang="ko-KR" dirty="0"/>
+              <a:t>We found a small cluster with a </a:t>
+            </a:r>
+            <a:r>
+              <a:rPr lang="en-US" altLang="ko-KR" b="1" dirty="0"/>
+              <a:t>very high subscription rate</a:t>
+            </a:r>
+            <a:r>
+              <a:rPr lang="en-US" altLang="ko-KR" dirty="0"/>
+              <a:t>.</a:t>
+            </a:r>
+            <a:br>
+              <a:rPr lang="en-US" altLang="ko-KR" dirty="0"/>
+            </a:br>
+            <a:r>
+              <a:rPr lang="en-US" altLang="ko-KR" dirty="0"/>
+              <a:t>This group has strong positive signals like previous success and recent contact, so it becomes our </a:t>
+            </a:r>
+            <a:r>
+              <a:rPr lang="en-US" altLang="ko-KR" b="1" dirty="0"/>
+              <a:t>top priority target</a:t>
+            </a:r>
+            <a:r>
+              <a:rPr lang="en-US" altLang="ko-KR" dirty="0"/>
+              <a:t> with the best ROI.</a:t>
+            </a:r>
+          </a:p>
+          <a:p>
+            <a:endParaRPr lang="en-US" altLang="ko-KR" dirty="0"/>
+          </a:p>
+          <a:p>
+            <a:r>
+              <a:rPr lang="en-US" altLang="ko-KR" dirty="0"/>
+              <a:t>Then, the mid-level clusters have moderate response rates.</a:t>
+            </a:r>
+            <a:br>
+              <a:rPr lang="en-US" altLang="ko-KR" dirty="0"/>
+            </a:br>
+            <a:r>
+              <a:rPr lang="en-US" altLang="ko-KR" dirty="0"/>
+              <a:t>For these groups, strategies like optimizing re-contact timing or improving the script can be effective.</a:t>
+            </a:r>
+          </a:p>
+          <a:p>
+            <a:endParaRPr lang="en-US" altLang="ko-KR" dirty="0"/>
+          </a:p>
+          <a:p>
+            <a:r>
+              <a:rPr lang="en-US" altLang="ko-KR" dirty="0"/>
+              <a:t>On the other hand, the lowest-response clusters are more likely to increase cost without results.</a:t>
+            </a:r>
+            <a:br>
+              <a:rPr lang="en-US" altLang="ko-KR" dirty="0"/>
+            </a:br>
+            <a:r>
+              <a:rPr lang="en-US" altLang="ko-KR" dirty="0"/>
+              <a:t>So, for them, we should lower call priority or switch to other channels.</a:t>
+            </a:r>
+          </a:p>
+          <a:p>
+            <a:r>
+              <a:rPr lang="en-US" altLang="ko-KR" dirty="0"/>
+              <a:t>In summary, clustering with </a:t>
+            </a:r>
+            <a:r>
+              <a:rPr lang="en-US" altLang="ko-KR" b="1" dirty="0"/>
+              <a:t>K = 5</a:t>
+            </a:r>
+            <a:r>
+              <a:rPr lang="en-US" altLang="ko-KR" dirty="0"/>
+              <a:t> helps us decide who to contact first, reduces unnecessary calls, and improves marketing efficiency.</a:t>
+            </a:r>
+          </a:p>
+          <a:p>
+            <a:endParaRPr lang="ko-KR" altLang="en-US" dirty="0"/>
+          </a:p>
+        </p:txBody>
+      </p:sp>
+      <p:sp>
+        <p:nvSpPr>
+          <p:cNvPr id="4" name="슬라이드 번호 개체 틀 3"/>
+          <p:cNvSpPr>
+            <a:spLocks noGrp="1"/>
+          </p:cNvSpPr>
+          <p:nvPr>
+            <p:ph type="sldNum" sz="quarter" idx="5"/>
+          </p:nvPr>
+        </p:nvSpPr>
+        <p:spPr/>
+        <p:txBody>
+          <a:bodyPr/>
+          <a:lstStyle/>
+          <a:p>
+            <a:fld id="{AAD9B243-0512-4BC5-85B5-75893B2C79C7}" type="slidenum">
+              <a:rPr lang="ko-KR" altLang="en-US" smtClean="0"/>
+              <a:t>8</a:t>
+            </a:fld>
+            <a:endParaRPr lang="ko-KR" altLang="en-US"/>
+          </a:p>
+        </p:txBody>
+      </p:sp>
+    </p:spTree>
+    <p:extLst>
+      <p:ext uri="{BB962C8B-B14F-4D97-AF65-F5344CB8AC3E}">
+        <p14:creationId xmlns:p14="http://schemas.microsoft.com/office/powerpoint/2010/main" val="2170026920"/>
+      </p:ext>
+    </p:extLst>
+  </p:cSld>
+  <p:clrMapOvr>
+    <a:masterClrMapping/>
+  </p:clrMapOvr>
+</p:notes>
+</file>
+
+<file path=ppt/notesSlides/notesSlide9.xml><?xml version="1.0" encoding="utf-8"?>
+<p:notes xmlns:a="http://schemas.openxmlformats.org/drawingml/2006/main" xmlns:r="http://schemas.openxmlformats.org/officeDocument/2006/relationships" xmlns:p="http://schemas.openxmlformats.org/presentationml/2006/main">
+  <p:cSld>
+    <p:spTree>
+      <p:nvGrpSpPr>
+        <p:cNvPr id="1" name=""/>
+        <p:cNvGrpSpPr/>
+        <p:nvPr/>
+      </p:nvGrpSpPr>
+      <p:grpSpPr>
+        <a:xfrm>
+          <a:off x="0" y="0"/>
+          <a:ext cx="0" cy="0"/>
+          <a:chOff x="0" y="0"/>
+          <a:chExt cx="0" cy="0"/>
+        </a:xfrm>
+      </p:grpSpPr>
+      <p:sp>
+        <p:nvSpPr>
+          <p:cNvPr id="2" name="슬라이드 이미지 개체 틀 1"/>
+          <p:cNvSpPr>
+            <a:spLocks noGrp="1" noRot="1" noChangeAspect="1"/>
+          </p:cNvSpPr>
+          <p:nvPr>
+            <p:ph type="sldImg"/>
+          </p:nvPr>
+        </p:nvSpPr>
+        <p:spPr/>
+      </p:sp>
+      <p:sp>
+        <p:nvSpPr>
+          <p:cNvPr id="3" name="슬라이드 노트 개체 틀 2"/>
+          <p:cNvSpPr>
+            <a:spLocks noGrp="1"/>
+          </p:cNvSpPr>
+          <p:nvPr>
+            <p:ph type="body" idx="1"/>
+          </p:nvPr>
+        </p:nvSpPr>
+        <p:spPr/>
+        <p:txBody>
+          <a:bodyPr/>
+          <a:lstStyle/>
+          <a:p>
+            <a:r>
+              <a:rPr lang="en-US" altLang="ko-KR" dirty="0"/>
+              <a:t>Hello everyone.</a:t>
+            </a:r>
+          </a:p>
+          <a:p>
+            <a:r>
+              <a:rPr lang="en-US" altLang="ko-KR" dirty="0"/>
+              <a:t>Now I will explain the supervised learning part of our project.</a:t>
+            </a:r>
+          </a:p>
+          <a:p>
+            <a:endParaRPr lang="en-US" altLang="ko-KR" dirty="0"/>
+          </a:p>
+          <a:p>
+            <a:r>
+              <a:rPr lang="en-US" altLang="ko-KR" dirty="0"/>
+              <a:t>Our goal was to predict which customers are likely to subscribe to the bank’s marketing offer.</a:t>
+            </a:r>
+          </a:p>
+          <a:p>
+            <a:endParaRPr lang="en-US" altLang="ko-KR" dirty="0"/>
+          </a:p>
+          <a:p>
+            <a:r>
+              <a:rPr lang="en-US" altLang="ko-KR" dirty="0"/>
+              <a:t>We tested several machine learning models and selected three main models for comparison:</a:t>
+            </a:r>
+          </a:p>
+          <a:p>
+            <a:endParaRPr lang="en-US" altLang="ko-KR" dirty="0"/>
+          </a:p>
+          <a:p>
+            <a:r>
+              <a:rPr lang="en-US" altLang="ko-KR" dirty="0"/>
+              <a:t>Random Forest, </a:t>
+            </a:r>
+            <a:r>
+              <a:rPr lang="en-US" altLang="ko-KR" dirty="0" err="1"/>
+              <a:t>XGBoost</a:t>
+            </a:r>
+            <a:r>
+              <a:rPr lang="en-US" altLang="ko-KR" dirty="0"/>
+              <a:t>, and </a:t>
+            </a:r>
+            <a:r>
+              <a:rPr lang="en-US" altLang="ko-KR" dirty="0" err="1"/>
+              <a:t>LightGBM</a:t>
+            </a:r>
+            <a:r>
+              <a:rPr lang="en-US" altLang="ko-KR" dirty="0"/>
+              <a:t>.</a:t>
+            </a:r>
+          </a:p>
+          <a:p>
+            <a:endParaRPr lang="en-US" altLang="ko-KR" dirty="0"/>
+          </a:p>
+          <a:p>
+            <a:r>
+              <a:rPr lang="en-US" altLang="ko-KR" dirty="0"/>
+              <a:t>First, let’s look at their performance.</a:t>
+            </a:r>
+          </a:p>
+          <a:p>
+            <a:endParaRPr lang="en-US" altLang="ko-KR" dirty="0"/>
+          </a:p>
+          <a:p>
+            <a:r>
+              <a:rPr lang="en-US" altLang="ko-KR" dirty="0"/>
+              <a:t>Random Forest showed a recall of 66.9%.</a:t>
+            </a:r>
+          </a:p>
+          <a:p>
+            <a:endParaRPr lang="en-US" altLang="ko-KR" dirty="0"/>
+          </a:p>
+          <a:p>
+            <a:r>
+              <a:rPr lang="en-US" altLang="ko-KR" dirty="0" err="1"/>
+              <a:t>LightGBM</a:t>
+            </a:r>
+            <a:r>
+              <a:rPr lang="en-US" altLang="ko-KR" dirty="0"/>
+              <a:t> showed a recall of 77.8%.</a:t>
+            </a:r>
+          </a:p>
+          <a:p>
+            <a:endParaRPr lang="en-US" altLang="ko-KR" dirty="0"/>
+          </a:p>
+          <a:p>
+            <a:r>
+              <a:rPr lang="en-US" altLang="ko-KR" dirty="0"/>
+              <a:t>And </a:t>
+            </a:r>
+            <a:r>
+              <a:rPr lang="en-US" altLang="ko-KR" dirty="0" err="1"/>
+              <a:t>XGBoost</a:t>
+            </a:r>
+            <a:r>
+              <a:rPr lang="en-US" altLang="ko-KR" dirty="0"/>
+              <a:t> recorded the highest recall at 83.5%.</a:t>
+            </a:r>
+          </a:p>
+          <a:p>
+            <a:endParaRPr lang="en-US" altLang="ko-KR" dirty="0"/>
+          </a:p>
+          <a:p>
+            <a:r>
+              <a:rPr lang="en-US" altLang="ko-KR" dirty="0"/>
+              <a:t>In our project, recall is the most important metric.</a:t>
+            </a:r>
+          </a:p>
+          <a:p>
+            <a:endParaRPr lang="en-US" altLang="ko-KR" dirty="0"/>
+          </a:p>
+          <a:p>
+            <a:r>
+              <a:rPr lang="en-US" altLang="ko-KR" dirty="0"/>
+              <a:t>This is because missing a real subscriber means losing a business opportunity.</a:t>
+            </a:r>
+          </a:p>
+          <a:p>
+            <a:endParaRPr lang="en-US" altLang="ko-KR" dirty="0"/>
+          </a:p>
+          <a:p>
+            <a:r>
+              <a:rPr lang="en-US" altLang="ko-KR" dirty="0"/>
+              <a:t>So even if precision is lower, finding more potential subscribers is more valuable.</a:t>
+            </a:r>
+          </a:p>
+          <a:p>
+            <a:endParaRPr lang="en-US" altLang="ko-KR" dirty="0"/>
+          </a:p>
+          <a:p>
+            <a:r>
+              <a:rPr lang="en-US" altLang="ko-KR" dirty="0"/>
+              <a:t>Based on this recall-focused evaluation, </a:t>
+            </a:r>
+            <a:r>
+              <a:rPr lang="en-US" altLang="ko-KR" dirty="0" err="1"/>
+              <a:t>XGBoost</a:t>
+            </a:r>
+            <a:r>
+              <a:rPr lang="en-US" altLang="ko-KR" dirty="0"/>
+              <a:t> was selected as our best predictive model.</a:t>
+            </a:r>
+            <a:endParaRPr lang="ko-KR" altLang="en-US" dirty="0"/>
+          </a:p>
+        </p:txBody>
+      </p:sp>
+      <p:sp>
+        <p:nvSpPr>
+          <p:cNvPr id="4" name="슬라이드 번호 개체 틀 3"/>
+          <p:cNvSpPr>
+            <a:spLocks noGrp="1"/>
+          </p:cNvSpPr>
+          <p:nvPr>
+            <p:ph type="sldNum" sz="quarter" idx="5"/>
+          </p:nvPr>
+        </p:nvSpPr>
+        <p:spPr/>
+        <p:txBody>
+          <a:bodyPr/>
+          <a:lstStyle/>
+          <a:p>
+            <a:fld id="{AAD9B243-0512-4BC5-85B5-75893B2C79C7}" type="slidenum">
+              <a:rPr lang="ko-KR" altLang="en-US" smtClean="0"/>
+              <a:t>9</a:t>
+            </a:fld>
+            <a:endParaRPr lang="ko-KR" altLang="en-US"/>
+          </a:p>
+        </p:txBody>
+      </p:sp>
+    </p:spTree>
+    <p:extLst>
+      <p:ext uri="{BB962C8B-B14F-4D97-AF65-F5344CB8AC3E}">
+        <p14:creationId xmlns:p14="http://schemas.microsoft.com/office/powerpoint/2010/main" val="2988252118"/>
+      </p:ext>
+    </p:extLst>
+  </p:cSld>
+  <p:clrMapOvr>
+    <a:masterClrMapping/>
+  </p:clrMapOvr>
+</p:notes>
 </file>
 
 <file path=ppt/slideLayouts/slideLayout1.xml><?xml version="1.0" encoding="utf-8"?>
@@ -183,7 +2693,7 @@
           <a:p>
             <a:fld id="{1D8BD707-D9CF-40AE-B4C6-C98DA3205C09}" type="datetimeFigureOut">
               <a:rPr lang="en-US"/>
-              <a:t>2/10/2026</a:t>
+              <a:t>2/11/2026</a:t>
             </a:fld>
             <a:endParaRPr lang="en-US"/>
           </a:p>
@@ -348,7 +2858,7 @@
           <a:p>
             <a:fld id="{1D8BD707-D9CF-40AE-B4C6-C98DA3205C09}" type="datetimeFigureOut">
               <a:rPr lang="en-US"/>
-              <a:t>2/10/2026</a:t>
+              <a:t>2/11/2026</a:t>
             </a:fld>
             <a:endParaRPr lang="en-US"/>
           </a:p>
@@ -556,7 +3066,7 @@
           <a:p>
             <a:fld id="{1D8BD707-D9CF-40AE-B4C6-C98DA3205C09}" type="datetimeFigureOut">
               <a:rPr lang="en-US"/>
-              <a:t>2/10/2026</a:t>
+              <a:t>2/11/2026</a:t>
             </a:fld>
             <a:endParaRPr lang="en-US"/>
           </a:p>
@@ -698,7 +3208,7 @@
           <a:p>
             <a:fld id="{1D8BD707-D9CF-40AE-B4C6-C98DA3205C09}" type="datetimeFigureOut">
               <a:rPr lang="en-US"/>
-              <a:t>2/10/2026</a:t>
+              <a:t>2/11/2026</a:t>
             </a:fld>
             <a:endParaRPr lang="en-US"/>
           </a:p>
@@ -817,7 +3327,7 @@
           <a:p>
             <a:fld id="{1D8BD707-D9CF-40AE-B4C6-C98DA3205C09}" type="datetimeFigureOut">
               <a:rPr lang="en-US"/>
-              <a:t>2/10/2026</a:t>
+              <a:t>2/11/2026</a:t>
             </a:fld>
             <a:endParaRPr lang="en-US"/>
           </a:p>
@@ -1080,7 +3590,7 @@
           <a:p>
             <a:fld id="{1D8BD707-D9CF-40AE-B4C6-C98DA3205C09}" type="datetimeFigureOut">
               <a:rPr lang="en-US"/>
-              <a:t>2/10/2026</a:t>
+              <a:t>2/11/2026</a:t>
             </a:fld>
             <a:endParaRPr lang="en-US"/>
           </a:p>
@@ -1306,7 +3816,7 @@
           <p:nvPr/>
         </p:nvPicPr>
         <p:blipFill>
-          <a:blip r:embed="rId2" cstate="print"/>
+          <a:blip r:embed="rId3" cstate="print"/>
           <a:stretch>
             <a:fillRect/>
           </a:stretch>
@@ -1328,7 +3838,7 @@
           <p:nvPr/>
         </p:nvPicPr>
         <p:blipFill>
-          <a:blip r:embed="rId3" cstate="print"/>
+          <a:blip r:embed="rId4" cstate="print"/>
           <a:stretch>
             <a:fillRect/>
           </a:stretch>
@@ -1350,7 +3860,7 @@
           <p:nvPr/>
         </p:nvPicPr>
         <p:blipFill>
-          <a:blip r:embed="rId4" cstate="print"/>
+          <a:blip r:embed="rId5" cstate="print"/>
           <a:stretch>
             <a:fillRect/>
           </a:stretch>
@@ -1372,7 +3882,7 @@
           <p:nvPr/>
         </p:nvPicPr>
         <p:blipFill>
-          <a:blip r:embed="rId5" cstate="print"/>
+          <a:blip r:embed="rId6" cstate="print"/>
           <a:stretch>
             <a:fillRect/>
           </a:stretch>
@@ -1477,7 +3987,7 @@
           <p:nvPr/>
         </p:nvPicPr>
         <p:blipFill>
-          <a:blip r:embed="rId2" cstate="print"/>
+          <a:blip r:embed="rId3" cstate="print"/>
           <a:stretch>
             <a:fillRect/>
           </a:stretch>
@@ -1499,7 +4009,7 @@
           <p:nvPr/>
         </p:nvPicPr>
         <p:blipFill>
-          <a:blip r:embed="rId3" cstate="print"/>
+          <a:blip r:embed="rId4" cstate="print"/>
           <a:stretch>
             <a:fillRect/>
           </a:stretch>
@@ -1521,7 +4031,7 @@
           <p:nvPr/>
         </p:nvPicPr>
         <p:blipFill>
-          <a:blip r:embed="rId4" cstate="print"/>
+          <a:blip r:embed="rId5" cstate="print"/>
           <a:stretch>
             <a:fillRect/>
           </a:stretch>
@@ -1875,7 +4385,7 @@
           <p:nvPr/>
         </p:nvPicPr>
         <p:blipFill>
-          <a:blip r:embed="rId5" cstate="print"/>
+          <a:blip r:embed="rId6" cstate="print"/>
           <a:stretch>
             <a:fillRect/>
           </a:stretch>
@@ -1980,7 +4490,7 @@
           <p:nvPr/>
         </p:nvPicPr>
         <p:blipFill>
-          <a:blip r:embed="rId2" cstate="print"/>
+          <a:blip r:embed="rId3" cstate="print"/>
           <a:stretch>
             <a:fillRect/>
           </a:stretch>
@@ -2338,7 +4848,7 @@
           <p:nvPr/>
         </p:nvPicPr>
         <p:blipFill>
-          <a:blip r:embed="rId3" cstate="print"/>
+          <a:blip r:embed="rId4" cstate="print"/>
           <a:stretch>
             <a:fillRect/>
           </a:stretch>
@@ -3529,7 +6039,7 @@
           <p:nvPr/>
         </p:nvPicPr>
         <p:blipFill>
-          <a:blip r:embed="rId4" cstate="print"/>
+          <a:blip r:embed="rId5" cstate="print"/>
           <a:stretch>
             <a:fillRect/>
           </a:stretch>
@@ -3551,7 +6061,7 @@
           <p:nvPr/>
         </p:nvPicPr>
         <p:blipFill>
-          <a:blip r:embed="rId5" cstate="print"/>
+          <a:blip r:embed="rId6" cstate="print"/>
           <a:stretch>
             <a:fillRect/>
           </a:stretch>
@@ -4169,7 +6679,7 @@
           <p:nvPr/>
         </p:nvPicPr>
         <p:blipFill>
-          <a:blip r:embed="rId6" cstate="print"/>
+          <a:blip r:embed="rId7" cstate="print"/>
           <a:stretch>
             <a:fillRect/>
           </a:stretch>
@@ -4682,7 +7192,7 @@
           <p:nvPr/>
         </p:nvPicPr>
         <p:blipFill>
-          <a:blip r:embed="rId7" cstate="print"/>
+          <a:blip r:embed="rId8" cstate="print"/>
           <a:stretch>
             <a:fillRect/>
           </a:stretch>
@@ -6421,7 +8931,7 @@
           <p:nvPr/>
         </p:nvPicPr>
         <p:blipFill>
-          <a:blip r:embed="rId8" cstate="print"/>
+          <a:blip r:embed="rId9" cstate="print"/>
           <a:stretch>
             <a:fillRect/>
           </a:stretch>
@@ -6443,7 +8953,7 @@
           <p:nvPr/>
         </p:nvPicPr>
         <p:blipFill>
-          <a:blip r:embed="rId9" cstate="print"/>
+          <a:blip r:embed="rId10" cstate="print"/>
           <a:stretch>
             <a:fillRect/>
           </a:stretch>
@@ -6465,7 +8975,7 @@
           <p:nvPr/>
         </p:nvPicPr>
         <p:blipFill>
-          <a:blip r:embed="rId10" cstate="print"/>
+          <a:blip r:embed="rId11" cstate="print"/>
           <a:stretch>
             <a:fillRect/>
           </a:stretch>
@@ -6487,7 +8997,7 @@
           <p:nvPr/>
         </p:nvPicPr>
         <p:blipFill>
-          <a:blip r:embed="rId11" cstate="print"/>
+          <a:blip r:embed="rId12" cstate="print"/>
           <a:stretch>
             <a:fillRect/>
           </a:stretch>
@@ -6509,7 +9019,7 @@
           <p:nvPr/>
         </p:nvPicPr>
         <p:blipFill>
-          <a:blip r:embed="rId12" cstate="print"/>
+          <a:blip r:embed="rId13" cstate="print"/>
           <a:stretch>
             <a:fillRect/>
           </a:stretch>
@@ -6531,7 +9041,7 @@
           <p:nvPr/>
         </p:nvPicPr>
         <p:blipFill>
-          <a:blip r:embed="rId13" cstate="print"/>
+          <a:blip r:embed="rId14" cstate="print"/>
           <a:stretch>
             <a:fillRect/>
           </a:stretch>
@@ -6553,7 +9063,7 @@
           <p:nvPr/>
         </p:nvPicPr>
         <p:blipFill>
-          <a:blip r:embed="rId14" cstate="print"/>
+          <a:blip r:embed="rId15" cstate="print"/>
           <a:stretch>
             <a:fillRect/>
           </a:stretch>
@@ -6575,7 +9085,7 @@
           <p:nvPr/>
         </p:nvPicPr>
         <p:blipFill>
-          <a:blip r:embed="rId15" cstate="print"/>
+          <a:blip r:embed="rId16" cstate="print"/>
           <a:stretch>
             <a:fillRect/>
           </a:stretch>
@@ -7748,7 +10258,7 @@
           <p:nvPr/>
         </p:nvPicPr>
         <p:blipFill>
-          <a:blip r:embed="rId2" cstate="print"/>
+          <a:blip r:embed="rId3" cstate="print"/>
           <a:stretch>
             <a:fillRect/>
           </a:stretch>
@@ -7770,7 +10280,7 @@
           <p:nvPr/>
         </p:nvPicPr>
         <p:blipFill>
-          <a:blip r:embed="rId3" cstate="print"/>
+          <a:blip r:embed="rId4" cstate="print"/>
           <a:stretch>
             <a:fillRect/>
           </a:stretch>
@@ -7792,7 +10302,7 @@
           <p:nvPr/>
         </p:nvPicPr>
         <p:blipFill>
-          <a:blip r:embed="rId4" cstate="print"/>
+          <a:blip r:embed="rId5" cstate="print"/>
           <a:stretch>
             <a:fillRect/>
           </a:stretch>
@@ -7814,7 +10324,7 @@
           <p:nvPr/>
         </p:nvPicPr>
         <p:blipFill>
-          <a:blip r:embed="rId5" cstate="print"/>
+          <a:blip r:embed="rId6" cstate="print"/>
           <a:stretch>
             <a:fillRect/>
           </a:stretch>
@@ -7836,7 +10346,7 @@
           <p:nvPr/>
         </p:nvPicPr>
         <p:blipFill>
-          <a:blip r:embed="rId6" cstate="print"/>
+          <a:blip r:embed="rId7" cstate="print"/>
           <a:stretch>
             <a:fillRect/>
           </a:stretch>
@@ -7858,7 +10368,7 @@
           <p:nvPr/>
         </p:nvPicPr>
         <p:blipFill>
-          <a:blip r:embed="rId7" cstate="print"/>
+          <a:blip r:embed="rId8" cstate="print"/>
           <a:stretch>
             <a:fillRect/>
           </a:stretch>
@@ -8341,7 +10851,7 @@
           <p:nvPr/>
         </p:nvPicPr>
         <p:blipFill>
-          <a:blip r:embed="rId8" cstate="print"/>
+          <a:blip r:embed="rId9" cstate="print"/>
           <a:stretch>
             <a:fillRect/>
           </a:stretch>
@@ -8363,7 +10873,7 @@
           <p:nvPr/>
         </p:nvPicPr>
         <p:blipFill>
-          <a:blip r:embed="rId9" cstate="print"/>
+          <a:blip r:embed="rId10" cstate="print"/>
           <a:stretch>
             <a:fillRect/>
           </a:stretch>
@@ -8385,7 +10895,7 @@
           <p:nvPr/>
         </p:nvPicPr>
         <p:blipFill>
-          <a:blip r:embed="rId10" cstate="print"/>
+          <a:blip r:embed="rId11" cstate="print"/>
           <a:stretch>
             <a:fillRect/>
           </a:stretch>
@@ -8407,7 +10917,7 @@
           <p:nvPr/>
         </p:nvPicPr>
         <p:blipFill>
-          <a:blip r:embed="rId11" cstate="print"/>
+          <a:blip r:embed="rId12" cstate="print"/>
           <a:stretch>
             <a:fillRect/>
           </a:stretch>
@@ -8512,7 +11022,7 @@
           <p:nvPr/>
         </p:nvPicPr>
         <p:blipFill>
-          <a:blip r:embed="rId2" cstate="print"/>
+          <a:blip r:embed="rId3" cstate="print"/>
           <a:stretch>
             <a:fillRect/>
           </a:stretch>
@@ -8870,7 +11380,7 @@
           <p:nvPr/>
         </p:nvPicPr>
         <p:blipFill>
-          <a:blip r:embed="rId3" cstate="print"/>
+          <a:blip r:embed="rId4" cstate="print"/>
           <a:stretch>
             <a:fillRect/>
           </a:stretch>
@@ -8892,7 +11402,7 @@
           <p:nvPr/>
         </p:nvPicPr>
         <p:blipFill>
-          <a:blip r:embed="rId4" cstate="print"/>
+          <a:blip r:embed="rId5" cstate="print"/>
           <a:stretch>
             <a:fillRect/>
           </a:stretch>
@@ -9603,7 +12113,7 @@
           <p:nvPr/>
         </p:nvPicPr>
         <p:blipFill>
-          <a:blip r:embed="rId5" cstate="print"/>
+          <a:blip r:embed="rId6" cstate="print"/>
           <a:stretch>
             <a:fillRect/>
           </a:stretch>
@@ -15842,7 +18352,7 @@
           <p:nvPr/>
         </p:nvPicPr>
         <p:blipFill>
-          <a:blip r:embed="rId6" cstate="print"/>
+          <a:blip r:embed="rId7" cstate="print"/>
           <a:stretch>
             <a:fillRect/>
           </a:stretch>
@@ -15864,7 +18374,7 @@
           <p:nvPr/>
         </p:nvPicPr>
         <p:blipFill>
-          <a:blip r:embed="rId7" cstate="print"/>
+          <a:blip r:embed="rId8" cstate="print"/>
           <a:stretch>
             <a:fillRect/>
           </a:stretch>
@@ -15886,7 +18396,7 @@
           <p:nvPr/>
         </p:nvPicPr>
         <p:blipFill>
-          <a:blip r:embed="rId8" cstate="print"/>
+          <a:blip r:embed="rId9" cstate="print"/>
           <a:stretch>
             <a:fillRect/>
           </a:stretch>
@@ -15908,7 +18418,7 @@
           <p:nvPr/>
         </p:nvPicPr>
         <p:blipFill>
-          <a:blip r:embed="rId9" cstate="print"/>
+          <a:blip r:embed="rId10" cstate="print"/>
           <a:stretch>
             <a:fillRect/>
           </a:stretch>
@@ -15944,7 +18454,7 @@
             <p:nvPr/>
           </p:nvPicPr>
           <p:blipFill>
-            <a:blip r:embed="rId10" cstate="print"/>
+            <a:blip r:embed="rId11" cstate="print"/>
             <a:stretch>
               <a:fillRect/>
             </a:stretch>
@@ -15966,7 +18476,7 @@
             <p:nvPr/>
           </p:nvPicPr>
           <p:blipFill>
-            <a:blip r:embed="rId11" cstate="print"/>
+            <a:blip r:embed="rId12" cstate="print"/>
             <a:stretch>
               <a:fillRect/>
             </a:stretch>
@@ -15989,7 +18499,7 @@
           <p:nvPr/>
         </p:nvPicPr>
         <p:blipFill>
-          <a:blip r:embed="rId12" cstate="print"/>
+          <a:blip r:embed="rId13" cstate="print"/>
           <a:stretch>
             <a:fillRect/>
           </a:stretch>
@@ -16011,7 +18521,7 @@
           <p:nvPr/>
         </p:nvPicPr>
         <p:blipFill>
-          <a:blip r:embed="rId13" cstate="print"/>
+          <a:blip r:embed="rId14" cstate="print"/>
           <a:stretch>
             <a:fillRect/>
           </a:stretch>
@@ -16116,7 +18626,7 @@
           <p:nvPr/>
         </p:nvPicPr>
         <p:blipFill>
-          <a:blip r:embed="rId2" cstate="print"/>
+          <a:blip r:embed="rId3" cstate="print"/>
           <a:stretch>
             <a:fillRect/>
           </a:stretch>
@@ -16138,7 +18648,7 @@
           <p:nvPr/>
         </p:nvPicPr>
         <p:blipFill>
-          <a:blip r:embed="rId3" cstate="print"/>
+          <a:blip r:embed="rId4" cstate="print"/>
           <a:stretch>
             <a:fillRect/>
           </a:stretch>
@@ -16160,7 +18670,7 @@
           <p:nvPr/>
         </p:nvPicPr>
         <p:blipFill>
-          <a:blip r:embed="rId4" cstate="print"/>
+          <a:blip r:embed="rId5" cstate="print"/>
           <a:stretch>
             <a:fillRect/>
           </a:stretch>
@@ -16723,7 +19233,7 @@
           <p:nvPr/>
         </p:nvPicPr>
         <p:blipFill>
-          <a:blip r:embed="rId2" cstate="print"/>
+          <a:blip r:embed="rId3" cstate="print"/>
           <a:stretch>
             <a:fillRect/>
           </a:stretch>
@@ -16745,7 +19255,7 @@
           <p:nvPr/>
         </p:nvPicPr>
         <p:blipFill>
-          <a:blip r:embed="rId3" cstate="print"/>
+          <a:blip r:embed="rId4" cstate="print"/>
           <a:stretch>
             <a:fillRect/>
           </a:stretch>
@@ -16767,7 +19277,7 @@
           <p:nvPr/>
         </p:nvPicPr>
         <p:blipFill>
-          <a:blip r:embed="rId4" cstate="print"/>
+          <a:blip r:embed="rId5" cstate="print"/>
           <a:stretch>
             <a:fillRect/>
           </a:stretch>
@@ -16872,7 +19382,7 @@
           <p:nvPr/>
         </p:nvPicPr>
         <p:blipFill>
-          <a:blip r:embed="rId2" cstate="print"/>
+          <a:blip r:embed="rId3" cstate="print"/>
           <a:stretch>
             <a:fillRect/>
           </a:stretch>
@@ -17493,7 +20003,7 @@
           <p:nvPr/>
         </p:nvPicPr>
         <p:blipFill>
-          <a:blip r:embed="rId3" cstate="print"/>
+          <a:blip r:embed="rId4" cstate="print"/>
           <a:stretch>
             <a:fillRect/>
           </a:stretch>
@@ -17598,7 +20108,7 @@
           <p:nvPr/>
         </p:nvPicPr>
         <p:blipFill>
-          <a:blip r:embed="rId2" cstate="print"/>
+          <a:blip r:embed="rId3" cstate="print"/>
           <a:stretch>
             <a:fillRect/>
           </a:stretch>
@@ -17697,7 +20207,7 @@
           <p:nvPr/>
         </p:nvPicPr>
         <p:blipFill>
-          <a:blip r:embed="rId3" cstate="print"/>
+          <a:blip r:embed="rId4" cstate="print"/>
           <a:stretch>
             <a:fillRect/>
           </a:stretch>
@@ -17719,7 +20229,7 @@
           <p:nvPr/>
         </p:nvPicPr>
         <p:blipFill>
-          <a:blip r:embed="rId4" cstate="print"/>
+          <a:blip r:embed="rId5" cstate="print"/>
           <a:stretch>
             <a:fillRect/>
           </a:stretch>
@@ -17824,7 +20334,7 @@
           <p:nvPr/>
         </p:nvPicPr>
         <p:blipFill>
-          <a:blip r:embed="rId2" cstate="print"/>
+          <a:blip r:embed="rId3" cstate="print"/>
           <a:stretch>
             <a:fillRect/>
           </a:stretch>
@@ -17846,7 +20356,7 @@
           <p:nvPr/>
         </p:nvPicPr>
         <p:blipFill>
-          <a:blip r:embed="rId3" cstate="print"/>
+          <a:blip r:embed="rId4" cstate="print"/>
           <a:stretch>
             <a:fillRect/>
           </a:stretch>
@@ -17868,7 +20378,7 @@
           <p:nvPr/>
         </p:nvPicPr>
         <p:blipFill>
-          <a:blip r:embed="rId4" cstate="print"/>
+          <a:blip r:embed="rId5" cstate="print"/>
           <a:stretch>
             <a:fillRect/>
           </a:stretch>
@@ -17890,7 +20400,7 @@
           <p:nvPr/>
         </p:nvPicPr>
         <p:blipFill>
-          <a:blip r:embed="rId5" cstate="print"/>
+          <a:blip r:embed="rId6" cstate="print"/>
           <a:stretch>
             <a:fillRect/>
           </a:stretch>
@@ -17912,7 +20422,7 @@
           <p:nvPr/>
         </p:nvPicPr>
         <p:blipFill>
-          <a:blip r:embed="rId6" cstate="print"/>
+          <a:blip r:embed="rId7" cstate="print"/>
           <a:stretch>
             <a:fillRect/>
           </a:stretch>
@@ -17934,7 +20444,7 @@
           <p:nvPr/>
         </p:nvPicPr>
         <p:blipFill>
-          <a:blip r:embed="rId7" cstate="print"/>
+          <a:blip r:embed="rId8" cstate="print"/>
           <a:stretch>
             <a:fillRect/>
           </a:stretch>
@@ -17956,7 +20466,7 @@
           <p:nvPr/>
         </p:nvPicPr>
         <p:blipFill>
-          <a:blip r:embed="rId8" cstate="print"/>
+          <a:blip r:embed="rId9" cstate="print"/>
           <a:stretch>
             <a:fillRect/>
           </a:stretch>
@@ -18061,7 +20571,7 @@
           <p:nvPr/>
         </p:nvPicPr>
         <p:blipFill>
-          <a:blip r:embed="rId2" cstate="print"/>
+          <a:blip r:embed="rId3" cstate="print"/>
           <a:stretch>
             <a:fillRect/>
           </a:stretch>
@@ -18097,7 +20607,7 @@
             <p:nvPr/>
           </p:nvPicPr>
           <p:blipFill>
-            <a:blip r:embed="rId3" cstate="print"/>
+            <a:blip r:embed="rId4" cstate="print"/>
             <a:stretch>
               <a:fillRect/>
             </a:stretch>
@@ -18119,7 +20629,7 @@
             <p:nvPr/>
           </p:nvPicPr>
           <p:blipFill>
-            <a:blip r:embed="rId4" cstate="print"/>
+            <a:blip r:embed="rId5" cstate="print"/>
             <a:stretch>
               <a:fillRect/>
             </a:stretch>
@@ -18245,7 +20755,7 @@
             <p:nvPr/>
           </p:nvPicPr>
           <p:blipFill>
-            <a:blip r:embed="rId5" cstate="print"/>
+            <a:blip r:embed="rId6" cstate="print"/>
             <a:stretch>
               <a:fillRect/>
             </a:stretch>
@@ -18267,7 +20777,7 @@
             <p:nvPr/>
           </p:nvPicPr>
           <p:blipFill>
-            <a:blip r:embed="rId6" cstate="print"/>
+            <a:blip r:embed="rId7" cstate="print"/>
             <a:stretch>
               <a:fillRect/>
             </a:stretch>
@@ -18289,7 +20799,7 @@
             <p:nvPr/>
           </p:nvPicPr>
           <p:blipFill>
-            <a:blip r:embed="rId7" cstate="print"/>
+            <a:blip r:embed="rId8" cstate="print"/>
             <a:stretch>
               <a:fillRect/>
             </a:stretch>
@@ -19717,7 +22227,7 @@
             <p:nvPr/>
           </p:nvPicPr>
           <p:blipFill>
-            <a:blip r:embed="rId8" cstate="print"/>
+            <a:blip r:embed="rId9" cstate="print"/>
             <a:stretch>
               <a:fillRect/>
             </a:stretch>
@@ -20611,7 +23121,7 @@
             <p:nvPr/>
           </p:nvPicPr>
           <p:blipFill>
-            <a:blip r:embed="rId9" cstate="print"/>
+            <a:blip r:embed="rId10" cstate="print"/>
             <a:stretch>
               <a:fillRect/>
             </a:stretch>
@@ -20633,7 +23143,7 @@
             <p:nvPr/>
           </p:nvPicPr>
           <p:blipFill>
-            <a:blip r:embed="rId10" cstate="print"/>
+            <a:blip r:embed="rId11" cstate="print"/>
             <a:stretch>
               <a:fillRect/>
             </a:stretch>
@@ -21939,7 +24449,7 @@
             <p:nvPr/>
           </p:nvPicPr>
           <p:blipFill>
-            <a:blip r:embed="rId11" cstate="print"/>
+            <a:blip r:embed="rId12" cstate="print"/>
             <a:stretch>
               <a:fillRect/>
             </a:stretch>
@@ -21961,7 +24471,7 @@
             <p:nvPr/>
           </p:nvPicPr>
           <p:blipFill>
-            <a:blip r:embed="rId12" cstate="print"/>
+            <a:blip r:embed="rId13" cstate="print"/>
             <a:stretch>
               <a:fillRect/>
             </a:stretch>
@@ -21983,7 +24493,7 @@
             <p:nvPr/>
           </p:nvPicPr>
           <p:blipFill>
-            <a:blip r:embed="rId13" cstate="print"/>
+            <a:blip r:embed="rId14" cstate="print"/>
             <a:stretch>
               <a:fillRect/>
             </a:stretch>
@@ -22006,7 +24516,7 @@
           <p:nvPr/>
         </p:nvPicPr>
         <p:blipFill>
-          <a:blip r:embed="rId14" cstate="print"/>
+          <a:blip r:embed="rId15" cstate="print"/>
           <a:stretch>
             <a:fillRect/>
           </a:stretch>
@@ -22028,7 +24538,7 @@
           <p:nvPr/>
         </p:nvPicPr>
         <p:blipFill>
-          <a:blip r:embed="rId15" cstate="print"/>
+          <a:blip r:embed="rId16" cstate="print"/>
           <a:stretch>
             <a:fillRect/>
           </a:stretch>
@@ -22332,4 +24842,319 @@
   <a:objectDefaults/>
   <a:extraClrSchemeLst/>
 </a:theme>
+</file>
+
+<file path=ppt/theme/theme2.xml><?xml version="1.0" encoding="utf-8"?>
+<a:theme xmlns:a="http://schemas.openxmlformats.org/drawingml/2006/main" name="Office 테마">
+  <a:themeElements>
+    <a:clrScheme name="Office">
+      <a:dk1>
+        <a:sysClr val="windowText" lastClr="000000"/>
+      </a:dk1>
+      <a:lt1>
+        <a:sysClr val="window" lastClr="FFFFFF"/>
+      </a:lt1>
+      <a:dk2>
+        <a:srgbClr val="0E2841"/>
+      </a:dk2>
+      <a:lt2>
+        <a:srgbClr val="E8E8E8"/>
+      </a:lt2>
+      <a:accent1>
+        <a:srgbClr val="156082"/>
+      </a:accent1>
+      <a:accent2>
+        <a:srgbClr val="E97132"/>
+      </a:accent2>
+      <a:accent3>
+        <a:srgbClr val="196B24"/>
+      </a:accent3>
+      <a:accent4>
+        <a:srgbClr val="0F9ED5"/>
+      </a:accent4>
+      <a:accent5>
+        <a:srgbClr val="A02B93"/>
+      </a:accent5>
+      <a:accent6>
+        <a:srgbClr val="4EA72E"/>
+      </a:accent6>
+      <a:hlink>
+        <a:srgbClr val="467886"/>
+      </a:hlink>
+      <a:folHlink>
+        <a:srgbClr val="96607D"/>
+      </a:folHlink>
+    </a:clrScheme>
+    <a:fontScheme name="Office">
+      <a:majorFont>
+        <a:latin typeface="맑은 고딕" panose="02110004020202020204"/>
+        <a:ea typeface=""/>
+        <a:cs typeface=""/>
+        <a:font script="Jpan" typeface="游ゴシック Light"/>
+        <a:font script="Hang" typeface="맑은 고딕"/>
+        <a:font script="Hans" typeface="等线 Light"/>
+        <a:font script="Hant" typeface="新細明體"/>
+        <a:font script="Arab" typeface="Times New Roman"/>
+        <a:font script="Hebr" typeface="Times New Roman"/>
+        <a:font script="Thai" typeface="Angsana New"/>
+        <a:font script="Ethi" typeface="Nyala"/>
+        <a:font script="Beng" typeface="Vrinda"/>
+        <a:font script="Gujr" typeface="Shruti"/>
+        <a:font script="Khmr" typeface="MoolBoran"/>
+        <a:font script="Knda" typeface="Tunga"/>
+        <a:font script="Guru" typeface="Raavi"/>
+        <a:font script="Cans" typeface="Euphemia"/>
+        <a:font script="Cher" typeface="Plantagenet Cherokee"/>
+        <a:font script="Yiii" typeface="Microsoft Yi Baiti"/>
+        <a:font script="Tibt" typeface="Microsoft Himalaya"/>
+        <a:font script="Thaa" typeface="MV Boli"/>
+        <a:font script="Deva" typeface="Mangal"/>
+        <a:font script="Telu" typeface="Gautami"/>
+        <a:font script="Taml" typeface="Latha"/>
+        <a:font script="Syrc" typeface="Estrangelo Edessa"/>
+        <a:font script="Orya" typeface="Kalinga"/>
+        <a:font script="Mlym" typeface="Kartika"/>
+        <a:font script="Laoo" typeface="DokChampa"/>
+        <a:font script="Sinh" typeface="Iskoola Pota"/>
+        <a:font script="Mong" typeface="Mongolian Baiti"/>
+        <a:font script="Viet" typeface="Times New Roman"/>
+        <a:font script="Uigh" typeface="Microsoft Uighur"/>
+        <a:font script="Geor" typeface="Sylfaen"/>
+        <a:font script="Armn" typeface="Arial"/>
+        <a:font script="Bugi" typeface="Leelawadee UI"/>
+        <a:font script="Bopo" typeface="Microsoft JhengHei"/>
+        <a:font script="Java" typeface="Javanese Text"/>
+        <a:font script="Lisu" typeface="Segoe UI"/>
+        <a:font script="Mymr" typeface="Myanmar Text"/>
+        <a:font script="Nkoo" typeface="Ebrima"/>
+        <a:font script="Olck" typeface="Nirmala UI"/>
+        <a:font script="Osma" typeface="Ebrima"/>
+        <a:font script="Phag" typeface="Phagspa"/>
+        <a:font script="Syrn" typeface="Estrangelo Edessa"/>
+        <a:font script="Syrj" typeface="Estrangelo Edessa"/>
+        <a:font script="Syre" typeface="Estrangelo Edessa"/>
+        <a:font script="Sora" typeface="Nirmala UI"/>
+        <a:font script="Tale" typeface="Microsoft Tai Le"/>
+        <a:font script="Talu" typeface="Microsoft New Tai Lue"/>
+        <a:font script="Tfng" typeface="Ebrima"/>
+      </a:majorFont>
+      <a:minorFont>
+        <a:latin typeface="맑은 고딕" panose="02110004020202020204"/>
+        <a:ea typeface=""/>
+        <a:cs typeface=""/>
+        <a:font script="Jpan" typeface="游ゴシック"/>
+        <a:font script="Hang" typeface="맑은 고딕"/>
+        <a:font script="Hans" typeface="等线"/>
+        <a:font script="Hant" typeface="新細明體"/>
+        <a:font script="Arab" typeface="Arial"/>
+        <a:font script="Hebr" typeface="Arial"/>
+        <a:font script="Thai" typeface="Cordia New"/>
+        <a:font script="Ethi" typeface="Nyala"/>
+        <a:font script="Beng" typeface="Vrinda"/>
+        <a:font script="Gujr" typeface="Shruti"/>
+        <a:font script="Khmr" typeface="DaunPenh"/>
+        <a:font script="Knda" typeface="Tunga"/>
+        <a:font script="Guru" typeface="Raavi"/>
+        <a:font script="Cans" typeface="Euphemia"/>
+        <a:font script="Cher" typeface="Plantagenet Cherokee"/>
+        <a:font script="Yiii" typeface="Microsoft Yi Baiti"/>
+        <a:font script="Tibt" typeface="Microsoft Himalaya"/>
+        <a:font script="Thaa" typeface="MV Boli"/>
+        <a:font script="Deva" typeface="Mangal"/>
+        <a:font script="Telu" typeface="Gautami"/>
+        <a:font script="Taml" typeface="Latha"/>
+        <a:font script="Syrc" typeface="Estrangelo Edessa"/>
+        <a:font script="Orya" typeface="Kalinga"/>
+        <a:font script="Mlym" typeface="Kartika"/>
+        <a:font script="Laoo" typeface="DokChampa"/>
+        <a:font script="Sinh" typeface="Iskoola Pota"/>
+        <a:font script="Mong" typeface="Mongolian Baiti"/>
+        <a:font script="Viet" typeface="Arial"/>
+        <a:font script="Uigh" typeface="Microsoft Uighur"/>
+        <a:font script="Geor" typeface="Sylfaen"/>
+        <a:font script="Armn" typeface="Arial"/>
+        <a:font script="Bugi" typeface="Leelawadee UI"/>
+        <a:font script="Bopo" typeface="Microsoft JhengHei"/>
+        <a:font script="Java" typeface="Javanese Text"/>
+        <a:font script="Lisu" typeface="Segoe UI"/>
+        <a:font script="Mymr" typeface="Myanmar Text"/>
+        <a:font script="Nkoo" typeface="Ebrima"/>
+        <a:font script="Olck" typeface="Nirmala UI"/>
+        <a:font script="Osma" typeface="Ebrima"/>
+        <a:font script="Phag" typeface="Phagspa"/>
+        <a:font script="Syrn" typeface="Estrangelo Edessa"/>
+        <a:font script="Syrj" typeface="Estrangelo Edessa"/>
+        <a:font script="Syre" typeface="Estrangelo Edessa"/>
+        <a:font script="Sora" typeface="Nirmala UI"/>
+        <a:font script="Tale" typeface="Microsoft Tai Le"/>
+        <a:font script="Talu" typeface="Microsoft New Tai Lue"/>
+        <a:font script="Tfng" typeface="Ebrima"/>
+      </a:minorFont>
+    </a:fontScheme>
+    <a:fmtScheme name="Office">
+      <a:fillStyleLst>
+        <a:solidFill>
+          <a:schemeClr val="phClr"/>
+        </a:solidFill>
+        <a:gradFill rotWithShape="1">
+          <a:gsLst>
+            <a:gs pos="0">
+              <a:schemeClr val="phClr">
+                <a:lumMod val="110000"/>
+                <a:satMod val="105000"/>
+                <a:tint val="67000"/>
+              </a:schemeClr>
+            </a:gs>
+            <a:gs pos="50000">
+              <a:schemeClr val="phClr">
+                <a:lumMod val="105000"/>
+                <a:satMod val="103000"/>
+                <a:tint val="73000"/>
+              </a:schemeClr>
+            </a:gs>
+            <a:gs pos="100000">
+              <a:schemeClr val="phClr">
+                <a:lumMod val="105000"/>
+                <a:satMod val="109000"/>
+                <a:tint val="81000"/>
+              </a:schemeClr>
+            </a:gs>
+          </a:gsLst>
+          <a:lin ang="5400000" scaled="0"/>
+        </a:gradFill>
+        <a:gradFill rotWithShape="1">
+          <a:gsLst>
+            <a:gs pos="0">
+              <a:schemeClr val="phClr">
+                <a:satMod val="103000"/>
+                <a:lumMod val="102000"/>
+                <a:tint val="94000"/>
+              </a:schemeClr>
+            </a:gs>
+            <a:gs pos="50000">
+              <a:schemeClr val="phClr">
+                <a:satMod val="110000"/>
+                <a:lumMod val="100000"/>
+                <a:shade val="100000"/>
+              </a:schemeClr>
+            </a:gs>
+            <a:gs pos="100000">
+              <a:schemeClr val="phClr">
+                <a:lumMod val="99000"/>
+                <a:satMod val="120000"/>
+                <a:shade val="78000"/>
+              </a:schemeClr>
+            </a:gs>
+          </a:gsLst>
+          <a:lin ang="5400000" scaled="0"/>
+        </a:gradFill>
+      </a:fillStyleLst>
+      <a:lnStyleLst>
+        <a:ln w="12700" cap="flat" cmpd="sng" algn="ctr">
+          <a:solidFill>
+            <a:schemeClr val="phClr"/>
+          </a:solidFill>
+          <a:prstDash val="solid"/>
+          <a:miter lim="800000"/>
+        </a:ln>
+        <a:ln w="19050" cap="flat" cmpd="sng" algn="ctr">
+          <a:solidFill>
+            <a:schemeClr val="phClr"/>
+          </a:solidFill>
+          <a:prstDash val="solid"/>
+          <a:miter lim="800000"/>
+        </a:ln>
+        <a:ln w="25400" cap="flat" cmpd="sng" algn="ctr">
+          <a:solidFill>
+            <a:schemeClr val="phClr"/>
+          </a:solidFill>
+          <a:prstDash val="solid"/>
+          <a:miter lim="800000"/>
+        </a:ln>
+      </a:lnStyleLst>
+      <a:effectStyleLst>
+        <a:effectStyle>
+          <a:effectLst/>
+        </a:effectStyle>
+        <a:effectStyle>
+          <a:effectLst/>
+        </a:effectStyle>
+        <a:effectStyle>
+          <a:effectLst>
+            <a:outerShdw blurRad="57150" dist="19050" dir="5400000" algn="ctr" rotWithShape="0">
+              <a:srgbClr val="000000">
+                <a:alpha val="63000"/>
+              </a:srgbClr>
+            </a:outerShdw>
+          </a:effectLst>
+        </a:effectStyle>
+      </a:effectStyleLst>
+      <a:bgFillStyleLst>
+        <a:solidFill>
+          <a:schemeClr val="phClr"/>
+        </a:solidFill>
+        <a:solidFill>
+          <a:schemeClr val="phClr">
+            <a:tint val="95000"/>
+            <a:satMod val="170000"/>
+          </a:schemeClr>
+        </a:solidFill>
+        <a:gradFill rotWithShape="1">
+          <a:gsLst>
+            <a:gs pos="0">
+              <a:schemeClr val="phClr">
+                <a:tint val="93000"/>
+                <a:satMod val="150000"/>
+                <a:shade val="98000"/>
+                <a:lumMod val="102000"/>
+              </a:schemeClr>
+            </a:gs>
+            <a:gs pos="50000">
+              <a:schemeClr val="phClr">
+                <a:tint val="98000"/>
+                <a:satMod val="130000"/>
+                <a:shade val="90000"/>
+                <a:lumMod val="103000"/>
+              </a:schemeClr>
+            </a:gs>
+            <a:gs pos="100000">
+              <a:schemeClr val="phClr">
+                <a:shade val="63000"/>
+                <a:satMod val="120000"/>
+              </a:schemeClr>
+            </a:gs>
+          </a:gsLst>
+          <a:lin ang="5400000" scaled="0"/>
+        </a:gradFill>
+      </a:bgFillStyleLst>
+    </a:fmtScheme>
+  </a:themeElements>
+  <a:objectDefaults>
+    <a:lnDef>
+      <a:spPr/>
+      <a:bodyPr/>
+      <a:lstStyle/>
+      <a:style>
+        <a:lnRef idx="2">
+          <a:schemeClr val="accent1"/>
+        </a:lnRef>
+        <a:fillRef idx="0">
+          <a:schemeClr val="accent1"/>
+        </a:fillRef>
+        <a:effectRef idx="1">
+          <a:schemeClr val="accent1"/>
+        </a:effectRef>
+        <a:fontRef idx="minor">
+          <a:schemeClr val="tx1"/>
+        </a:fontRef>
+      </a:style>
+    </a:lnDef>
+  </a:objectDefaults>
+  <a:extraClrSchemeLst/>
+  <a:extLst>
+    <a:ext uri="{05A4C25C-085E-4340-85A3-A5531E510DB2}">
+      <thm15:themeFamily xmlns:thm15="http://schemas.microsoft.com/office/thememl/2012/main" name="Office Theme" id="{2E142A2C-CD16-42D6-873A-C26D2A0506FA}" vid="{1BDDFF52-6CD6-40A5-AB3C-68EB2F1E4D0A}"/>
+    </a:ext>
+  </a:extLst>
+</a:theme>
 </file>